--- a/LINUX DAY - TORINO 2023 - Postgres Primi passi tramite ORM.pptx
+++ b/LINUX DAY - TORINO 2023 - Postgres Primi passi tramite ORM.pptx
@@ -23,18 +23,19 @@
     <p:sldId id="270" r:id="rId17"/>
     <p:sldId id="265" r:id="rId18"/>
     <p:sldId id="266" r:id="rId19"/>
-    <p:sldId id="274" r:id="rId20"/>
-    <p:sldId id="275" r:id="rId21"/>
-    <p:sldId id="288" r:id="rId22"/>
-    <p:sldId id="289" r:id="rId23"/>
-    <p:sldId id="290" r:id="rId24"/>
-    <p:sldId id="291" r:id="rId25"/>
-    <p:sldId id="267" r:id="rId26"/>
-    <p:sldId id="268" r:id="rId27"/>
-    <p:sldId id="273" r:id="rId28"/>
-    <p:sldId id="287" r:id="rId29"/>
-    <p:sldId id="277" r:id="rId30"/>
-    <p:sldId id="272" r:id="rId31"/>
+    <p:sldId id="292" r:id="rId20"/>
+    <p:sldId id="274" r:id="rId21"/>
+    <p:sldId id="275" r:id="rId22"/>
+    <p:sldId id="288" r:id="rId23"/>
+    <p:sldId id="289" r:id="rId24"/>
+    <p:sldId id="290" r:id="rId25"/>
+    <p:sldId id="291" r:id="rId26"/>
+    <p:sldId id="267" r:id="rId27"/>
+    <p:sldId id="268" r:id="rId28"/>
+    <p:sldId id="273" r:id="rId29"/>
+    <p:sldId id="287" r:id="rId30"/>
+    <p:sldId id="277" r:id="rId31"/>
+    <p:sldId id="272" r:id="rId32"/>
   </p:sldIdLst>
   <p:sldSz cx="12192000" cy="6858000"/>
   <p:notesSz cx="6858000" cy="9144000"/>
@@ -144,6 +145,7 @@
 <file path=ppt/revisionInfo.xml><?xml version="1.0" encoding="utf-8"?>
 <p1510:revInfo xmlns:a="http://schemas.openxmlformats.org/drawingml/2006/main" xmlns:r="http://schemas.openxmlformats.org/officeDocument/2006/relationships" xmlns:p1510="http://schemas.microsoft.com/office/powerpoint/2015/10/main">
   <p1510:revLst>
+    <p1510:client id="{3E0880D0-5914-CF85-ABFB-E43211A3E9AA}" v="106" dt="2023-10-28T07:04:39.166"/>
     <p1510:client id="{61A4770D-7594-A3F9-21B0-93E29A76DC83}" v="3864" dt="2023-10-26T16:41:32.760"/>
     <p1510:client id="{9A37C439-DD90-AE27-94CA-0C3A42A4166F}" v="1012" dt="2023-10-27T16:38:08.181"/>
     <p1510:client id="{B0332D28-8DC0-53E9-816A-1EA7CD026E61}" v="6" dt="2023-10-27T23:59:17.752"/>
@@ -3045,7 +3047,7 @@
         </p:nvSpPr>
         <p:spPr>
           <a:xfrm>
-            <a:off x="1524000" y="1771141"/>
+            <a:off x="1524000" y="1553427"/>
             <a:ext cx="9143998" cy="1660237"/>
           </a:xfrm>
         </p:spPr>
@@ -3057,14 +3059,37 @@
           <a:p>
             <a:pPr algn="l"/>
             <a:r>
-              <a:rPr lang="it-IT" sz="4800" b="1">
+              <a:rPr lang="it-IT" sz="4800" b="1" dirty="0" err="1">
                 <a:latin typeface="Congenial"/>
                 <a:ea typeface="+mj-lt"/>
                 <a:cs typeface="+mj-lt"/>
               </a:rPr>
-              <a:t>Postgres: Primi passi tramite ORM</a:t>
-            </a:r>
-            <a:endParaRPr lang="it-IT" sz="4800">
+              <a:t>Postgres</a:t>
+            </a:r>
+            <a:r>
+              <a:rPr lang="it-IT" sz="4800" b="1" dirty="0">
+                <a:latin typeface="Congenial"/>
+                <a:ea typeface="+mj-lt"/>
+                <a:cs typeface="+mj-lt"/>
+              </a:rPr>
+              <a:t>:</a:t>
+            </a:r>
+            <a:br>
+              <a:rPr lang="it-IT" sz="4800" b="1" dirty="0">
+                <a:latin typeface="Congenial"/>
+                <a:ea typeface="+mj-lt"/>
+                <a:cs typeface="+mj-lt"/>
+              </a:rPr>
+            </a:br>
+            <a:r>
+              <a:rPr lang="it-IT" sz="4800" b="1" dirty="0">
+                <a:latin typeface="Congenial"/>
+                <a:ea typeface="+mj-lt"/>
+                <a:cs typeface="+mj-lt"/>
+              </a:rPr>
+              <a:t>Primi passi tramite ORM</a:t>
+            </a:r>
+            <a:endParaRPr lang="it-IT" sz="4800" dirty="0">
               <a:latin typeface="Congenial"/>
               <a:ea typeface="Calibri Light" panose="020F0302020204030204"/>
               <a:cs typeface="Calibri Light" panose="020F0302020204030204"/>
@@ -3301,36 +3326,36 @@
               <a:buNone/>
             </a:pPr>
             <a:r>
-              <a:rPr lang="it-IT">
+              <a:rPr lang="it-IT" dirty="0">
                 <a:cs typeface="Calibri"/>
               </a:rPr>
               <a:t>Il progetto inizialmente si chiama INGRES (acronimo di </a:t>
             </a:r>
             <a:r>
-              <a:rPr lang="it-IT" err="1">
+              <a:rPr lang="it-IT" dirty="0" err="1">
                 <a:cs typeface="Calibri"/>
               </a:rPr>
               <a:t>INteractive</a:t>
             </a:r>
             <a:r>
-              <a:rPr lang="it-IT">
+              <a:rPr lang="it-IT" dirty="0">
                 <a:cs typeface="Calibri"/>
               </a:rPr>
               <a:t> Graphics </a:t>
             </a:r>
             <a:r>
-              <a:rPr lang="it-IT" err="1">
+              <a:rPr lang="it-IT" dirty="0" err="1">
                 <a:cs typeface="Calibri"/>
               </a:rPr>
               <a:t>REtrieval</a:t>
             </a:r>
             <a:r>
-              <a:rPr lang="it-IT">
+              <a:rPr lang="it-IT" dirty="0">
                 <a:cs typeface="Calibri"/>
               </a:rPr>
               <a:t> System). Da qui nascono sistemi come Sybase, SQL Server ed altri.</a:t>
             </a:r>
-            <a:endParaRPr lang="it-IT">
+            <a:endParaRPr lang="it-IT" dirty="0">
               <a:ea typeface="Calibri"/>
               <a:cs typeface="Calibri" panose="020F0502020204030204"/>
             </a:endParaRPr>
@@ -3340,22 +3365,26 @@
               <a:buNone/>
             </a:pPr>
             <a:br>
-              <a:rPr lang="it-IT">
+              <a:rPr lang="it-IT" dirty="0">
                 <a:cs typeface="Calibri" panose="020F0502020204030204"/>
               </a:rPr>
             </a:br>
             <a:r>
-              <a:rPr lang="it-IT" err="1">
+              <a:rPr lang="it-IT" dirty="0" err="1">
                 <a:cs typeface="Calibri" panose="020F0502020204030204"/>
               </a:rPr>
               <a:t>Postgres</a:t>
             </a:r>
             <a:r>
-              <a:rPr lang="it-IT">
+              <a:rPr lang="it-IT" dirty="0">
                 <a:cs typeface="Calibri" panose="020F0502020204030204"/>
               </a:rPr>
-              <a:t> nasce per offrire anche la possibilità di definire nuovi tipi di dato e relazioni. Dopo alcuni anni viene abbandonato. Grazie al tipo di licenza (BSD), venne ripreso nel 94 e gli venne aggiunto l'interprete SQL. </a:t>
-            </a:r>
+              <a:t> nasce per offrire anche la possibilità di definire nuovi tipi di dato e relazioni. Dopo alcuni anni viene abbandonato. Grazie al tipo di licenza (BSD), venne ripreso nel 1994 e gli venne aggiunto l'interprete SQL. </a:t>
+            </a:r>
+            <a:endParaRPr lang="it-IT" dirty="0">
+              <a:ea typeface="Calibri"/>
+              <a:cs typeface="Calibri" panose="020F0502020204030204"/>
+            </a:endParaRPr>
           </a:p>
           <a:p>
             <a:pPr marL="0" indent="0">
@@ -3370,36 +3399,36 @@
               <a:buNone/>
             </a:pPr>
             <a:r>
-              <a:rPr lang="it-IT">
+              <a:rPr lang="it-IT" dirty="0">
                 <a:cs typeface="Calibri" panose="020F0502020204030204"/>
               </a:rPr>
-              <a:t>Nel corso del tempo, ha cambiato diverse volte nome: INGRES, poi in </a:t>
-            </a:r>
-            <a:r>
-              <a:rPr lang="it-IT" err="1">
+              <a:t>Nel corso del tempo ha cambiato diverse volte nome: INGRES, poi in </a:t>
+            </a:r>
+            <a:r>
+              <a:rPr lang="it-IT" dirty="0" err="1">
                 <a:cs typeface="Calibri"/>
               </a:rPr>
               <a:t>Postgres</a:t>
             </a:r>
             <a:r>
-              <a:rPr lang="it-IT">
+              <a:rPr lang="it-IT" dirty="0">
                 <a:cs typeface="Calibri"/>
               </a:rPr>
               <a:t>, nuovamente in Postgres95 e infine in </a:t>
             </a:r>
             <a:r>
-              <a:rPr lang="it-IT" err="1">
+              <a:rPr lang="it-IT" dirty="0" err="1">
                 <a:cs typeface="Calibri"/>
               </a:rPr>
               <a:t>PostgreSQL</a:t>
             </a:r>
             <a:r>
-              <a:rPr lang="it-IT">
+              <a:rPr lang="it-IT" dirty="0">
                 <a:cs typeface="Calibri"/>
               </a:rPr>
               <a:t>.</a:t>
             </a:r>
-            <a:endParaRPr lang="it-IT">
+            <a:endParaRPr lang="it-IT" dirty="0">
               <a:ea typeface="Calibri"/>
               <a:cs typeface="Calibri"/>
             </a:endParaRPr>
@@ -3418,32 +3447,32 @@
               <a:buNone/>
             </a:pPr>
             <a:r>
-              <a:rPr lang="it-IT">
+              <a:rPr lang="it-IT" dirty="0">
                 <a:cs typeface="Calibri"/>
               </a:rPr>
               <a:t>Da allora PG ha aggiunto moltissime caratteristiche.</a:t>
             </a:r>
             <a:br>
-              <a:rPr lang="it-IT">
+              <a:rPr lang="it-IT" dirty="0">
                 <a:cs typeface="Calibri"/>
               </a:rPr>
             </a:br>
             <a:r>
-              <a:rPr lang="it-IT">
+              <a:rPr lang="it-IT" dirty="0">
                 <a:cs typeface="Calibri"/>
                 <a:hlinkClick r:id="rId4"/>
               </a:rPr>
               <a:t>https</a:t>
             </a:r>
             <a:r>
-              <a:rPr lang="it-IT">
+              <a:rPr lang="it-IT" dirty="0">
                 <a:ea typeface="+mn-lt"/>
                 <a:cs typeface="+mn-lt"/>
                 <a:hlinkClick r:id="rId4"/>
               </a:rPr>
               <a:t>://www.postgresql.org/about/featurematrix/</a:t>
             </a:r>
-            <a:endParaRPr lang="it-IT">
+            <a:endParaRPr lang="it-IT" dirty="0">
               <a:ea typeface="Calibri"/>
               <a:cs typeface="Calibri"/>
             </a:endParaRPr>
@@ -4200,18 +4229,18 @@
               <a:buNone/>
             </a:pPr>
             <a:r>
-              <a:rPr lang="it-IT"/>
+              <a:rPr lang="it-IT" dirty="0"/>
               <a:t>Gli ORM (Object-</a:t>
             </a:r>
             <a:r>
-              <a:rPr lang="en-GB"/>
+              <a:rPr lang="en-GB" dirty="0"/>
               <a:t>Relational</a:t>
             </a:r>
             <a:r>
-              <a:rPr lang="it-IT"/>
-              <a:t> Mapping) offrono una interfaccia conveniente e veloce fra il mondo della programmazione orientata ad oggetti e il mondo dei database.</a:t>
-            </a:r>
-            <a:endParaRPr lang="it-IT">
+              <a:rPr lang="it-IT" dirty="0"/>
+              <a:t> Mapping) offrono un'interfaccia conveniente e veloce fra il mondo della programmazione orientata ad oggetti e il mondo dei database.</a:t>
+            </a:r>
+            <a:endParaRPr lang="it-IT" dirty="0">
               <a:ea typeface="Calibri"/>
               <a:cs typeface="Calibri" panose="020F0502020204030204"/>
             </a:endParaRPr>
@@ -4229,7 +4258,7 @@
               <a:buNone/>
             </a:pPr>
             <a:r>
-              <a:rPr lang="it-IT">
+              <a:rPr lang="it-IT" dirty="0">
                 <a:cs typeface="Calibri"/>
               </a:rPr>
               <a:t>In pratica, hanno la capacità di convertire gli oggetti in righe/colonne e viceversa. Inoltre, offrono metodi utili per il recupero e la gestione del dato e delle strutture.</a:t>
@@ -4354,19 +4383,19 @@
           <a:lstStyle/>
           <a:p>
             <a:r>
-              <a:rPr lang="it-IT" b="1">
+              <a:rPr lang="it-IT" b="1" dirty="0">
                 <a:cs typeface="Calibri"/>
               </a:rPr>
               <a:t>Astrazione </a:t>
             </a:r>
             <a:r>
-              <a:rPr lang="it-IT">
+              <a:rPr lang="it-IT" dirty="0">
                 <a:cs typeface="Calibri"/>
               </a:rPr>
-              <a:t>del database: il mapping delle tabelle e dei campi e le relazioni fra essi diventa dichiarativo.</a:t>
+              <a:t>del database: il mapping delle tabelle e dei campi e le relazioni fra essi diventano dichiarativi.</a:t>
             </a:r>
             <a:br>
-              <a:rPr lang="it-IT">
+              <a:rPr lang="it-IT" dirty="0">
                 <a:cs typeface="Calibri"/>
               </a:rPr>
             </a:br>
@@ -4376,19 +4405,19 @@
           </a:p>
           <a:p>
             <a:r>
-              <a:rPr lang="it-IT" b="1">
+              <a:rPr lang="it-IT" b="1" dirty="0">
                 <a:cs typeface="Calibri"/>
               </a:rPr>
               <a:t>Portabilità </a:t>
             </a:r>
             <a:r>
-              <a:rPr lang="it-IT">
+              <a:rPr lang="it-IT" dirty="0">
                 <a:cs typeface="Calibri"/>
               </a:rPr>
               <a:t>del codice: proprio per la capacità di essere "indipendenti" dal DB aumentano la capacità di riutilizzare il codice. </a:t>
             </a:r>
             <a:br>
-              <a:rPr lang="it-IT">
+              <a:rPr lang="it-IT" dirty="0">
                 <a:cs typeface="Calibri"/>
               </a:rPr>
             </a:br>
@@ -4398,17 +4427,21 @@
           </a:p>
           <a:p>
             <a:r>
-              <a:rPr lang="it-IT" b="1">
+              <a:rPr lang="it-IT" b="1" dirty="0">
                 <a:cs typeface="Calibri"/>
               </a:rPr>
               <a:t>Velocità </a:t>
             </a:r>
             <a:r>
-              <a:rPr lang="it-IT">
+              <a:rPr lang="it-IT" dirty="0">
                 <a:cs typeface="Calibri"/>
               </a:rPr>
               <a:t>di sviluppo: riduce il tempo necessario per la gestione e la manipolazione del dato.</a:t>
             </a:r>
+            <a:endParaRPr lang="it-IT" dirty="0">
+              <a:ea typeface="Calibri"/>
+              <a:cs typeface="Calibri"/>
+            </a:endParaRPr>
           </a:p>
           <a:p>
             <a:endParaRPr lang="it-IT">
@@ -4673,21 +4706,21 @@
           <a:lstStyle/>
           <a:p>
             <a:r>
-              <a:rPr lang="it-IT" b="1">
+              <a:rPr lang="it-IT" b="1" dirty="0">
                 <a:latin typeface="Calibri"/>
                 <a:cs typeface="Arial"/>
               </a:rPr>
               <a:t>Semplicità </a:t>
             </a:r>
             <a:r>
-              <a:rPr lang="it-IT">
+              <a:rPr lang="it-IT" dirty="0">
                 <a:latin typeface="Calibri"/>
                 <a:cs typeface="Arial"/>
               </a:rPr>
               <a:t>(iniziale) immediata: permettono di creare e mantenere le strutture, avviare progetti in tempi brevi senza sacrificare funzionalità.</a:t>
             </a:r>
             <a:br>
-              <a:rPr lang="it-IT">
+              <a:rPr lang="it-IT" dirty="0">
                 <a:latin typeface="Calibri"/>
                 <a:cs typeface="Arial"/>
               </a:rPr>
@@ -4699,21 +4732,21 @@
           </a:p>
           <a:p>
             <a:r>
-              <a:rPr lang="it-IT" b="1">
+              <a:rPr lang="it-IT" b="1" dirty="0">
                 <a:latin typeface="Calibri"/>
                 <a:cs typeface="Arial"/>
               </a:rPr>
               <a:t>Curva di apprendimento</a:t>
             </a:r>
             <a:r>
-              <a:rPr lang="it-IT">
+              <a:rPr lang="it-IT" dirty="0">
                 <a:latin typeface="Calibri"/>
                 <a:cs typeface="Arial"/>
               </a:rPr>
-              <a:t>: se si ha la fortuna di trovare un ORM che soddisfi le esigenze applicative e di database.</a:t>
+              <a:t>: è presente e può risultare consistente ma è vantaggiosa se si ha la fortuna di trovare un ORM che soddisfi le esigenze applicative e di database.</a:t>
             </a:r>
             <a:br>
-              <a:rPr lang="it-IT">
+              <a:rPr lang="it-IT" dirty="0">
                 <a:latin typeface="Calibri"/>
                 <a:cs typeface="Arial"/>
               </a:rPr>
@@ -4725,20 +4758,34 @@
           </a:p>
           <a:p>
             <a:r>
-              <a:rPr lang="it-IT" b="1">
+              <a:rPr lang="it-IT" b="1" dirty="0">
                 <a:latin typeface="Calibri"/>
                 <a:cs typeface="Arial"/>
               </a:rPr>
               <a:t>Accesso </a:t>
             </a:r>
             <a:r>
-              <a:rPr lang="it-IT">
+              <a:rPr lang="it-IT" dirty="0">
                 <a:latin typeface="Calibri"/>
                 <a:cs typeface="Arial"/>
               </a:rPr>
-              <a:t>allo strato base del DB: permettono spesso di eseguire comandi raw direttamente al database.</a:t>
-            </a:r>
-            <a:endParaRPr lang="en-US">
+              <a:t>allo strato base del DB: permettono spesso di eseguire comandi </a:t>
+            </a:r>
+            <a:r>
+              <a:rPr lang="it-IT" dirty="0" err="1">
+                <a:latin typeface="Calibri"/>
+                <a:cs typeface="Arial"/>
+              </a:rPr>
+              <a:t>raw</a:t>
+            </a:r>
+            <a:r>
+              <a:rPr lang="it-IT" dirty="0">
+                <a:latin typeface="Calibri"/>
+                <a:cs typeface="Arial"/>
+              </a:rPr>
+              <a:t> direttamente al database.</a:t>
+            </a:r>
+            <a:endParaRPr lang="en-US" dirty="0">
               <a:latin typeface="Calibri"/>
               <a:cs typeface="Arial"/>
             </a:endParaRPr>
@@ -5014,13 +5061,13 @@
               <a:buNone/>
             </a:pPr>
             <a:r>
-              <a:rPr lang="it-IT">
+              <a:rPr lang="it-IT" dirty="0">
                 <a:cs typeface="Calibri"/>
               </a:rPr>
-              <a:t>Non proprio, con gli ORM abbiamo comunque dei limiti e degli svantaggi, per esempio:</a:t>
+              <a:t>Non proprio: con gli ORM abbiamo comunque dei limiti e degli svantaggi, per esempio:</a:t>
             </a:r>
             <a:br>
-              <a:rPr lang="it-IT">
+              <a:rPr lang="it-IT" dirty="0">
                 <a:cs typeface="Calibri"/>
               </a:rPr>
             </a:br>
@@ -5030,44 +5077,48 @@
           </a:p>
           <a:p>
             <a:r>
-              <a:rPr lang="it-IT">
+              <a:rPr lang="it-IT" dirty="0">
                 <a:cs typeface="Calibri"/>
               </a:rPr>
               <a:t>Possono aggiungere complessità al codice</a:t>
             </a:r>
-          </a:p>
-          <a:p>
-            <a:r>
-              <a:rPr lang="it-IT">
-                <a:cs typeface="Calibri"/>
-              </a:rPr>
-              <a:t>Possono richiedere tempo per l'apprendimento, soprattutto in scenari complessi</a:t>
-            </a:r>
-            <a:endParaRPr lang="it-IT">
+            <a:endParaRPr lang="it-IT" dirty="0">
               <a:ea typeface="Calibri"/>
               <a:cs typeface="Calibri"/>
             </a:endParaRPr>
           </a:p>
           <a:p>
             <a:r>
-              <a:rPr lang="it-IT">
+              <a:rPr lang="it-IT" dirty="0">
                 <a:cs typeface="Calibri"/>
               </a:rPr>
-              <a:t>Soffrono di problemi di performance e di overhead, possono generare query non performanti</a:t>
-            </a:r>
-            <a:endParaRPr lang="it-IT">
+              <a:t>Possono richiedere tempo per l'apprendimento, soprattutto in scenari complessi</a:t>
+            </a:r>
+            <a:endParaRPr lang="it-IT" dirty="0">
+              <a:ea typeface="Calibri"/>
+              <a:cs typeface="Calibri"/>
+            </a:endParaRPr>
+          </a:p>
+          <a:p>
+            <a:r>
+              <a:rPr lang="it-IT" dirty="0">
+                <a:cs typeface="Calibri"/>
+              </a:rPr>
+              <a:t>Soffrono di problemi di performance e di overhead; possono generare query non performanti</a:t>
+            </a:r>
+            <a:endParaRPr lang="it-IT" dirty="0">
               <a:ea typeface="Calibri" panose="020F0502020204030204"/>
               <a:cs typeface="Calibri"/>
             </a:endParaRPr>
           </a:p>
           <a:p>
             <a:r>
-              <a:rPr lang="it-IT">
+              <a:rPr lang="it-IT" dirty="0">
                 <a:cs typeface="Calibri"/>
               </a:rPr>
               <a:t>Possono non supportare tutte le funzionalità (soprattutto quelle avanzate) rendendo necessario l'uso di query specifiche</a:t>
             </a:r>
-            <a:endParaRPr lang="it-IT">
+            <a:endParaRPr lang="it-IT" dirty="0">
               <a:ea typeface="Calibri"/>
               <a:cs typeface="Calibri"/>
             </a:endParaRPr>
@@ -6242,7 +6293,7 @@
         </p:spPr>
         <p:txBody>
           <a:bodyPr vert="horz" lIns="91440" tIns="45720" rIns="91440" bIns="45720" rtlCol="0" anchor="t">
-            <a:normAutofit fontScale="85000" lnSpcReduction="20000"/>
+            <a:normAutofit/>
           </a:bodyPr>
           <a:lstStyle/>
           <a:p>
@@ -6250,261 +6301,96 @@
               <a:buNone/>
             </a:pPr>
             <a:r>
-              <a:rPr lang="it-IT" err="1">
+              <a:rPr lang="it-IT" dirty="0" err="1"/>
+              <a:t>TypeORM</a:t>
+            </a:r>
+            <a:r>
+              <a:rPr lang="it-IT" dirty="0"/>
+              <a:t> è un'ottima libreria che si integra velocemente con </a:t>
+            </a:r>
+            <a:r>
+              <a:rPr lang="it-IT" dirty="0" err="1"/>
+              <a:t>TypeScript</a:t>
+            </a:r>
+            <a:r>
+              <a:rPr lang="it-IT" dirty="0"/>
+              <a:t> e </a:t>
+            </a:r>
+            <a:r>
+              <a:rPr lang="it-IT" dirty="0" err="1"/>
+              <a:t>Javascript</a:t>
+            </a:r>
+            <a:r>
+              <a:rPr lang="it-IT" dirty="0"/>
+              <a:t>, ed è quindi adatto per progetti basati su Node.js.</a:t>
+            </a:r>
+            <a:br>
+              <a:rPr lang="it-IT" dirty="0">
                 <a:cs typeface="Calibri"/>
               </a:rPr>
-              <a:t>TypeORM</a:t>
-            </a:r>
-            <a:r>
-              <a:rPr lang="it-IT">
+            </a:br>
+            <a:endParaRPr lang="it-IT" dirty="0">
+              <a:cs typeface="Calibri"/>
+            </a:endParaRPr>
+          </a:p>
+          <a:p>
+            <a:pPr marL="0" indent="0">
+              <a:buNone/>
+            </a:pPr>
+            <a:r>
+              <a:rPr lang="it-IT" dirty="0">
                 <a:cs typeface="Calibri"/>
               </a:rPr>
-              <a:t> è un'ottima libreria che si integra velocemente con </a:t>
-            </a:r>
-            <a:r>
-              <a:rPr lang="it-IT" err="1">
+              <a:t>Fra i vantaggi:</a:t>
+            </a:r>
+            <a:br>
+              <a:rPr lang="it-IT" dirty="0">
                 <a:cs typeface="Calibri"/>
               </a:rPr>
-              <a:t>TypeScript</a:t>
-            </a:r>
-            <a:r>
-              <a:rPr lang="it-IT">
-                <a:cs typeface="Calibri"/>
-              </a:rPr>
-              <a:t> e </a:t>
-            </a:r>
-            <a:r>
-              <a:rPr lang="it-IT" err="1">
-                <a:cs typeface="Calibri"/>
-              </a:rPr>
-              <a:t>Javascript</a:t>
-            </a:r>
-            <a:r>
-              <a:rPr lang="it-IT">
-                <a:cs typeface="Calibri"/>
-              </a:rPr>
-              <a:t>, ed è quindi adatto per progetti basati su Node.js.</a:t>
-            </a:r>
-            <a:endParaRPr lang="it-IT">
+            </a:br>
+            <a:endParaRPr lang="it-IT" dirty="0">
               <a:ea typeface="Calibri"/>
               <a:cs typeface="Calibri"/>
             </a:endParaRPr>
           </a:p>
           <a:p>
-            <a:pPr marL="0" indent="0">
-              <a:buNone/>
-            </a:pPr>
-            <a:r>
-              <a:rPr lang="it-IT">
+            <a:r>
+              <a:rPr lang="it-IT" dirty="0">
+                <a:ea typeface="Calibri"/>
                 <a:cs typeface="Calibri"/>
               </a:rPr>
-              <a:t>Fra i vantaggi:</a:t>
-            </a:r>
-          </a:p>
-          <a:p>
+              <a:t>Consente di gestire i dati in modo intuitivo</a:t>
+            </a:r>
+          </a:p>
+          <a:p>
+            <a:r>
+              <a:rPr lang="it-IT" dirty="0">
+                <a:cs typeface="Calibri"/>
+              </a:rPr>
+              <a:t>Utilizza i decoratori per definire (e semplificare) le entità</a:t>
+            </a:r>
+            <a:endParaRPr lang="it-IT" dirty="0">
+              <a:ea typeface="Calibri" panose="020F0502020204030204"/>
+              <a:cs typeface="Calibri"/>
+            </a:endParaRPr>
+          </a:p>
+          <a:p>
+            <a:r>
+              <a:rPr lang="it-IT" dirty="0">
+                <a:ea typeface="Calibri" panose="020F0502020204030204"/>
+                <a:cs typeface="Calibri"/>
+              </a:rPr>
+              <a:t>Permette la sincronizzazione delle </a:t>
+            </a:r>
             <a:r>
               <a:rPr lang="it-IT">
                 <a:ea typeface="Calibri" panose="020F0502020204030204"/>
                 <a:cs typeface="Calibri"/>
               </a:rPr>
-              <a:t>Consente di gestire i dati in modo intuitivo</a:t>
-            </a:r>
-          </a:p>
-          <a:p>
-            <a:r>
-              <a:rPr lang="it-IT">
-                <a:cs typeface="Calibri"/>
-              </a:rPr>
-              <a:t>Utilizza i decoratori per definire (e semplificare) le entità</a:t>
-            </a:r>
-            <a:endParaRPr lang="it-IT">
+              <a:t>strutture</a:t>
+            </a:r>
+            <a:endParaRPr lang="it-IT" dirty="0">
               <a:ea typeface="Calibri" panose="020F0502020204030204"/>
-              <a:cs typeface="Calibri"/>
-            </a:endParaRPr>
-          </a:p>
-          <a:p>
-            <a:r>
-              <a:rPr lang="it-IT">
-                <a:ea typeface="Calibri" panose="020F0502020204030204"/>
-                <a:cs typeface="Calibri"/>
-              </a:rPr>
-              <a:t>Permette la sincronizzazione delle strutture</a:t>
-            </a:r>
-          </a:p>
-          <a:p>
-            <a:r>
-              <a:rPr lang="it-IT">
-                <a:ea typeface="Calibri" panose="020F0502020204030204"/>
-                <a:cs typeface="Calibri"/>
-              </a:rPr>
-              <a:t>Permette di definire logiche personalizzate per la migrazione dei dati</a:t>
-            </a:r>
-          </a:p>
-          <a:p>
-            <a:r>
-              <a:rPr lang="it-IT">
-                <a:cs typeface="Calibri"/>
-              </a:rPr>
-              <a:t>E' possibile definire diverse relazioni (</a:t>
-            </a:r>
-            <a:r>
-              <a:rPr lang="it-IT" err="1">
-                <a:cs typeface="Calibri"/>
-              </a:rPr>
-              <a:t>one-to-one</a:t>
-            </a:r>
-            <a:r>
-              <a:rPr lang="it-IT">
-                <a:cs typeface="Calibri"/>
-              </a:rPr>
-              <a:t>, one-to-</a:t>
-            </a:r>
-            <a:r>
-              <a:rPr lang="it-IT" err="1">
-                <a:cs typeface="Calibri"/>
-              </a:rPr>
-              <a:t>many</a:t>
-            </a:r>
-            <a:r>
-              <a:rPr lang="it-IT">
-                <a:cs typeface="Calibri"/>
-              </a:rPr>
-              <a:t>, </a:t>
-            </a:r>
-            <a:r>
-              <a:rPr lang="it-IT" err="1">
-                <a:cs typeface="Calibri"/>
-              </a:rPr>
-              <a:t>many</a:t>
-            </a:r>
-            <a:r>
-              <a:rPr lang="it-IT">
-                <a:cs typeface="Calibri"/>
-              </a:rPr>
-              <a:t>-to-</a:t>
-            </a:r>
-            <a:r>
-              <a:rPr lang="it-IT" err="1">
-                <a:cs typeface="Calibri"/>
-              </a:rPr>
-              <a:t>many</a:t>
-            </a:r>
-            <a:r>
-              <a:rPr lang="it-IT">
-                <a:cs typeface="Calibri"/>
-              </a:rPr>
-              <a:t>) rendendole anche </a:t>
-            </a:r>
-            <a:r>
-              <a:rPr lang="it-IT" err="1">
-                <a:cs typeface="Calibri"/>
-              </a:rPr>
-              <a:t>lazy</a:t>
-            </a:r>
-            <a:r>
-              <a:rPr lang="it-IT">
-                <a:cs typeface="Calibri"/>
-              </a:rPr>
-              <a:t> o </a:t>
-            </a:r>
-            <a:r>
-              <a:rPr lang="it-IT" err="1">
-                <a:cs typeface="Calibri"/>
-              </a:rPr>
-              <a:t>eager</a:t>
-            </a:r>
-            <a:r>
-              <a:rPr lang="it-IT">
-                <a:cs typeface="Calibri"/>
-              </a:rPr>
-              <a:t>.</a:t>
-            </a:r>
-            <a:endParaRPr lang="it-IT"/>
-          </a:p>
-          <a:p>
-            <a:r>
-              <a:rPr lang="it-IT">
-                <a:ea typeface="Calibri" panose="020F0502020204030204"/>
-                <a:cs typeface="Calibri"/>
-              </a:rPr>
-              <a:t>Si possono usare più sorgenti (</a:t>
-            </a:r>
-            <a:r>
-              <a:rPr lang="it-IT" err="1">
-                <a:ea typeface="Calibri" panose="020F0502020204030204"/>
-                <a:cs typeface="Calibri"/>
-              </a:rPr>
-              <a:t>DataSource</a:t>
-            </a:r>
-            <a:r>
-              <a:rPr lang="it-IT">
-                <a:ea typeface="Calibri" panose="020F0502020204030204"/>
-                <a:cs typeface="Calibri"/>
-              </a:rPr>
-              <a:t>) insieme</a:t>
-            </a:r>
-          </a:p>
-          <a:p>
-            <a:r>
-              <a:rPr lang="it-IT">
-                <a:ea typeface="Calibri" panose="020F0502020204030204"/>
-                <a:cs typeface="Calibri"/>
-              </a:rPr>
-              <a:t>Offre differenti modalità: Active Record, </a:t>
-            </a:r>
-            <a:r>
-              <a:rPr lang="it-IT" err="1">
-                <a:ea typeface="Calibri"/>
-                <a:cs typeface="Calibri"/>
-              </a:rPr>
-              <a:t>Entity</a:t>
-            </a:r>
-            <a:r>
-              <a:rPr lang="it-IT">
-                <a:ea typeface="Calibri"/>
-                <a:cs typeface="Calibri"/>
-              </a:rPr>
-              <a:t> Manager o tramite Repository</a:t>
-            </a:r>
-          </a:p>
-          <a:p>
-            <a:r>
-              <a:rPr lang="it-IT">
-                <a:cs typeface="Calibri"/>
-              </a:rPr>
-              <a:t>Gode di una buona community e una popolarità al pari di </a:t>
-            </a:r>
-            <a:r>
-              <a:rPr lang="it-IT" err="1">
-                <a:cs typeface="Calibri"/>
-              </a:rPr>
-              <a:t>Sequelize</a:t>
-            </a:r>
-            <a:r>
-              <a:rPr lang="it-IT">
-                <a:cs typeface="Calibri"/>
-              </a:rPr>
-              <a:t>, </a:t>
-            </a:r>
-            <a:r>
-              <a:rPr lang="it-IT" err="1">
-                <a:cs typeface="Calibri"/>
-              </a:rPr>
-              <a:t>Knex</a:t>
-            </a:r>
-            <a:r>
-              <a:rPr lang="it-IT">
-                <a:cs typeface="Calibri"/>
-              </a:rPr>
-              <a:t> e Prisma</a:t>
-            </a:r>
-            <a:endParaRPr lang="it-IT">
-              <a:ea typeface="Calibri"/>
-              <a:cs typeface="Calibri"/>
-            </a:endParaRPr>
-          </a:p>
-          <a:p>
-            <a:endParaRPr lang="it-IT">
               <a:cs typeface="Calibri"/>
             </a:endParaRPr>
           </a:p>
@@ -6685,7 +6571,7 @@
           <p:cNvPr id="9" name="Graphic 8" descr="An organic corner shape">
             <a:extLst>
               <a:ext uri="{FF2B5EF4-FFF2-40B4-BE49-F238E27FC236}">
-                <a16:creationId xmlns:a16="http://schemas.microsoft.com/office/drawing/2014/main" id="{16DCD961-4F4A-CC97-7696-DF962B32B7BE}"/>
+                <a16:creationId xmlns:a16="http://schemas.microsoft.com/office/drawing/2014/main" id="{4389047D-9F27-E078-DA0F-B49202D53BFA}"/>
               </a:ext>
             </a:extLst>
           </p:cNvPr>
@@ -6716,12 +6602,234 @@
           </a:prstGeom>
         </p:spPr>
       </p:pic>
+      <p:sp>
+        <p:nvSpPr>
+          <p:cNvPr id="3" name="Content Placeholder 2">
+            <a:extLst>
+              <a:ext uri="{FF2B5EF4-FFF2-40B4-BE49-F238E27FC236}">
+                <a16:creationId xmlns:a16="http://schemas.microsoft.com/office/drawing/2014/main" id="{5C3F2FC4-F399-73D3-829D-F503747BC18D}"/>
+              </a:ext>
+            </a:extLst>
+          </p:cNvPr>
+          <p:cNvSpPr>
+            <a:spLocks noGrp="1"/>
+          </p:cNvSpPr>
+          <p:nvPr>
+            <p:ph idx="1"/>
+          </p:nvPr>
+        </p:nvSpPr>
+        <p:spPr>
+          <a:xfrm>
+            <a:off x="838200" y="1467716"/>
+            <a:ext cx="10515600" cy="4709247"/>
+          </a:xfrm>
+        </p:spPr>
+        <p:txBody>
+          <a:bodyPr vert="horz" lIns="91440" tIns="45720" rIns="91440" bIns="45720" rtlCol="0" anchor="t">
+            <a:normAutofit/>
+          </a:bodyPr>
+          <a:lstStyle/>
+          <a:p>
+            <a:r>
+              <a:rPr lang="it-IT" dirty="0">
+                <a:ea typeface="Calibri" panose="020F0502020204030204"/>
+                <a:cs typeface="Calibri"/>
+              </a:rPr>
+              <a:t>Permette di definire logiche personalizzate per la migrazione dei dati</a:t>
+            </a:r>
+            <a:endParaRPr lang="en-US" dirty="0">
+              <a:ea typeface="Calibri" panose="020F0502020204030204"/>
+              <a:cs typeface="Calibri" panose="020F0502020204030204"/>
+            </a:endParaRPr>
+          </a:p>
+          <a:p>
+            <a:r>
+              <a:rPr lang="it-IT" dirty="0">
+                <a:cs typeface="Calibri"/>
+              </a:rPr>
+              <a:t>E' possibile definire diverse relazioni (</a:t>
+            </a:r>
+            <a:r>
+              <a:rPr lang="it-IT" dirty="0" err="1">
+                <a:cs typeface="Calibri"/>
+              </a:rPr>
+              <a:t>one-to-one</a:t>
+            </a:r>
+            <a:r>
+              <a:rPr lang="it-IT" dirty="0">
+                <a:cs typeface="Calibri"/>
+              </a:rPr>
+              <a:t>, one-to-</a:t>
+            </a:r>
+            <a:r>
+              <a:rPr lang="it-IT" dirty="0" err="1">
+                <a:cs typeface="Calibri"/>
+              </a:rPr>
+              <a:t>many</a:t>
+            </a:r>
+            <a:r>
+              <a:rPr lang="it-IT" dirty="0">
+                <a:cs typeface="Calibri"/>
+              </a:rPr>
+              <a:t>, </a:t>
+            </a:r>
+            <a:r>
+              <a:rPr lang="it-IT" dirty="0" err="1">
+                <a:cs typeface="Calibri"/>
+              </a:rPr>
+              <a:t>many</a:t>
+            </a:r>
+            <a:r>
+              <a:rPr lang="it-IT" dirty="0">
+                <a:cs typeface="Calibri"/>
+              </a:rPr>
+              <a:t>-to-one, </a:t>
+            </a:r>
+            <a:r>
+              <a:rPr lang="it-IT" dirty="0" err="1">
+                <a:cs typeface="Calibri"/>
+              </a:rPr>
+              <a:t>many</a:t>
+            </a:r>
+            <a:r>
+              <a:rPr lang="it-IT" dirty="0">
+                <a:cs typeface="Calibri"/>
+              </a:rPr>
+              <a:t>-to-</a:t>
+            </a:r>
+            <a:r>
+              <a:rPr lang="it-IT" dirty="0" err="1">
+                <a:cs typeface="Calibri"/>
+              </a:rPr>
+              <a:t>many</a:t>
+            </a:r>
+            <a:r>
+              <a:rPr lang="it-IT" dirty="0">
+                <a:cs typeface="Calibri"/>
+              </a:rPr>
+              <a:t>) rendendole anche di tipo </a:t>
+            </a:r>
+            <a:r>
+              <a:rPr lang="it-IT" dirty="0" err="1">
+                <a:cs typeface="Calibri"/>
+              </a:rPr>
+              <a:t>lazy</a:t>
+            </a:r>
+            <a:r>
+              <a:rPr lang="it-IT" dirty="0">
+                <a:cs typeface="Calibri"/>
+              </a:rPr>
+              <a:t> o </a:t>
+            </a:r>
+            <a:r>
+              <a:rPr lang="it-IT" dirty="0" err="1">
+                <a:cs typeface="Calibri"/>
+              </a:rPr>
+              <a:t>eager</a:t>
+            </a:r>
+            <a:r>
+              <a:rPr lang="it-IT" dirty="0">
+                <a:cs typeface="Calibri"/>
+              </a:rPr>
+              <a:t>.</a:t>
+            </a:r>
+            <a:endParaRPr lang="it-IT" dirty="0"/>
+          </a:p>
+          <a:p>
+            <a:r>
+              <a:rPr lang="it-IT" dirty="0">
+                <a:ea typeface="Calibri" panose="020F0502020204030204"/>
+                <a:cs typeface="Calibri"/>
+              </a:rPr>
+              <a:t>Si possono usare più sorgenti (</a:t>
+            </a:r>
+            <a:r>
+              <a:rPr lang="it-IT" dirty="0" err="1">
+                <a:ea typeface="Calibri" panose="020F0502020204030204"/>
+                <a:cs typeface="Calibri"/>
+              </a:rPr>
+              <a:t>DataSource</a:t>
+            </a:r>
+            <a:r>
+              <a:rPr lang="it-IT" dirty="0">
+                <a:ea typeface="Calibri" panose="020F0502020204030204"/>
+                <a:cs typeface="Calibri"/>
+              </a:rPr>
+              <a:t>) insieme</a:t>
+            </a:r>
+          </a:p>
+          <a:p>
+            <a:r>
+              <a:rPr lang="it-IT" dirty="0">
+                <a:ea typeface="Calibri" panose="020F0502020204030204"/>
+                <a:cs typeface="Calibri"/>
+              </a:rPr>
+              <a:t>Offre differenti modalità: Active Record, </a:t>
+            </a:r>
+            <a:r>
+              <a:rPr lang="it-IT" dirty="0" err="1">
+                <a:ea typeface="Calibri"/>
+                <a:cs typeface="Calibri"/>
+              </a:rPr>
+              <a:t>Entity</a:t>
+            </a:r>
+            <a:r>
+              <a:rPr lang="it-IT" dirty="0">
+                <a:ea typeface="Calibri"/>
+                <a:cs typeface="Calibri"/>
+              </a:rPr>
+              <a:t> Manager o tramite Repository</a:t>
+            </a:r>
+          </a:p>
+          <a:p>
+            <a:r>
+              <a:rPr lang="it-IT" dirty="0">
+                <a:cs typeface="Calibri"/>
+              </a:rPr>
+              <a:t>Gode di una buona community e una popolarità al pari di </a:t>
+            </a:r>
+            <a:r>
+              <a:rPr lang="it-IT" dirty="0" err="1">
+                <a:cs typeface="Calibri"/>
+              </a:rPr>
+              <a:t>Sequelize</a:t>
+            </a:r>
+            <a:r>
+              <a:rPr lang="it-IT" dirty="0">
+                <a:cs typeface="Calibri"/>
+              </a:rPr>
+              <a:t>, </a:t>
+            </a:r>
+            <a:r>
+              <a:rPr lang="it-IT" dirty="0" err="1">
+                <a:cs typeface="Calibri"/>
+              </a:rPr>
+              <a:t>Knex</a:t>
+            </a:r>
+            <a:r>
+              <a:rPr lang="it-IT" dirty="0">
+                <a:cs typeface="Calibri"/>
+              </a:rPr>
+              <a:t> e Prisma</a:t>
+            </a:r>
+            <a:endParaRPr lang="it-IT" dirty="0">
+              <a:ea typeface="Calibri"/>
+              <a:cs typeface="Calibri"/>
+            </a:endParaRPr>
+          </a:p>
+          <a:p>
+            <a:endParaRPr lang="it-IT">
+              <a:cs typeface="Calibri"/>
+            </a:endParaRPr>
+          </a:p>
+        </p:txBody>
+      </p:sp>
       <p:pic>
         <p:nvPicPr>
           <p:cNvPr id="5" name="Graphic 4">
             <a:extLst>
               <a:ext uri="{FF2B5EF4-FFF2-40B4-BE49-F238E27FC236}">
-                <a16:creationId xmlns:a16="http://schemas.microsoft.com/office/drawing/2014/main" id="{313BBD6D-B071-F25F-5D39-A2AB3D0676FE}"/>
+                <a16:creationId xmlns:a16="http://schemas.microsoft.com/office/drawing/2014/main" id="{58DD341D-6DD3-93E6-E8CC-41D1AF7CC27C}"/>
               </a:ext>
             </a:extLst>
           </p:cNvPr>
@@ -6757,7 +6865,7 @@
           <p:cNvPr id="6" name="Title 1">
             <a:extLst>
               <a:ext uri="{FF2B5EF4-FFF2-40B4-BE49-F238E27FC236}">
-                <a16:creationId xmlns:a16="http://schemas.microsoft.com/office/drawing/2014/main" id="{3563C32F-5297-F1F0-54CA-AD1B3DE2A4BF}"/>
+                <a16:creationId xmlns:a16="http://schemas.microsoft.com/office/drawing/2014/main" id="{AED3D4A1-F197-B0B2-5B44-6211A18D6B7B}"/>
               </a:ext>
             </a:extLst>
           </p:cNvPr>
@@ -6815,7 +6923,7 @@
           <p:cNvPr id="2" name="Title 1">
             <a:extLst>
               <a:ext uri="{FF2B5EF4-FFF2-40B4-BE49-F238E27FC236}">
-                <a16:creationId xmlns:a16="http://schemas.microsoft.com/office/drawing/2014/main" id="{67F09614-D9B5-1ACE-CEB2-40574AF6AD0E}"/>
+                <a16:creationId xmlns:a16="http://schemas.microsoft.com/office/drawing/2014/main" id="{E9233857-92D1-E62F-B079-541AE4D95A7D}"/>
               </a:ext>
             </a:extLst>
           </p:cNvPr>
@@ -6840,337 +6948,19 @@
           <a:p>
             <a:pPr algn="ctr"/>
             <a:r>
-              <a:rPr lang="en-US" sz="4000" err="1">
+              <a:rPr lang="it-IT" sz="4000" dirty="0">
                 <a:latin typeface="Congenial"/>
                 <a:cs typeface="Calibri Light"/>
               </a:rPr>
-              <a:t>TypeORM</a:t>
-            </a:r>
-            <a:r>
-              <a:rPr lang="en-US" sz="4000">
-                <a:latin typeface="Congenial"/>
-                <a:cs typeface="Calibri Light"/>
-              </a:rPr>
-              <a:t>: database </a:t>
-            </a:r>
-            <a:r>
-              <a:rPr lang="en-US" sz="4000" err="1">
-                <a:latin typeface="Congenial"/>
-                <a:cs typeface="Calibri Light"/>
-              </a:rPr>
-              <a:t>supportati</a:t>
-            </a:r>
-            <a:endParaRPr lang="en-US" sz="4000">
-              <a:latin typeface="Congenial"/>
-              <a:cs typeface="Calibri Light"/>
-            </a:endParaRPr>
-          </a:p>
-        </p:txBody>
-      </p:sp>
-      <p:pic>
-        <p:nvPicPr>
-          <p:cNvPr id="4" name="Picture 3" descr="Cos'è MySQL e a cosa serve">
-            <a:extLst>
-              <a:ext uri="{FF2B5EF4-FFF2-40B4-BE49-F238E27FC236}">
-                <a16:creationId xmlns:a16="http://schemas.microsoft.com/office/drawing/2014/main" id="{B3698E97-8F8F-9A8F-7524-7868EF479AE7}"/>
-              </a:ext>
-            </a:extLst>
-          </p:cNvPr>
-          <p:cNvPicPr>
-            <a:picLocks noChangeAspect="1"/>
-          </p:cNvPicPr>
-          <p:nvPr/>
-        </p:nvPicPr>
-        <p:blipFill>
-          <a:blip r:embed="rId6"/>
-          <a:stretch>
-            <a:fillRect/>
-          </a:stretch>
-        </p:blipFill>
-        <p:spPr>
-          <a:xfrm>
-            <a:off x="1217676" y="1585249"/>
-            <a:ext cx="2015527" cy="1369264"/>
-          </a:xfrm>
-          <a:prstGeom prst="rect">
-            <a:avLst/>
-          </a:prstGeom>
-        </p:spPr>
-      </p:pic>
-      <p:pic>
-        <p:nvPicPr>
-          <p:cNvPr id="7" name="Picture 6" descr="Official MariaDB Logos | MariaDB">
-            <a:extLst>
-              <a:ext uri="{FF2B5EF4-FFF2-40B4-BE49-F238E27FC236}">
-                <a16:creationId xmlns:a16="http://schemas.microsoft.com/office/drawing/2014/main" id="{9199AD0E-13F0-BDA2-6CC3-CE09C8B82E70}"/>
-              </a:ext>
-            </a:extLst>
-          </p:cNvPr>
-          <p:cNvPicPr>
-            <a:picLocks noChangeAspect="1"/>
-          </p:cNvPicPr>
-          <p:nvPr/>
-        </p:nvPicPr>
-        <p:blipFill>
-          <a:blip r:embed="rId7"/>
-          <a:stretch>
-            <a:fillRect/>
-          </a:stretch>
-        </p:blipFill>
-        <p:spPr>
-          <a:xfrm>
-            <a:off x="3659306" y="1700214"/>
-            <a:ext cx="1681612" cy="1358481"/>
-          </a:xfrm>
-          <a:prstGeom prst="rect">
-            <a:avLst/>
-          </a:prstGeom>
-        </p:spPr>
-      </p:pic>
-      <p:pic>
-        <p:nvPicPr>
-          <p:cNvPr id="10" name="Picture 9" descr="Postgresql originale wordmark logo - Icone Social media e loghi">
-            <a:extLst>
-              <a:ext uri="{FF2B5EF4-FFF2-40B4-BE49-F238E27FC236}">
-                <a16:creationId xmlns:a16="http://schemas.microsoft.com/office/drawing/2014/main" id="{2732CB63-D141-C9DB-FA22-AC6CD635D89A}"/>
-              </a:ext>
-            </a:extLst>
-          </p:cNvPr>
-          <p:cNvPicPr>
-            <a:picLocks noChangeAspect="1"/>
-          </p:cNvPicPr>
-          <p:nvPr/>
-        </p:nvPicPr>
-        <p:blipFill>
-          <a:blip r:embed="rId8"/>
-          <a:stretch>
-            <a:fillRect/>
-          </a:stretch>
-        </p:blipFill>
-        <p:spPr>
-          <a:xfrm>
-            <a:off x="8417493" y="1825475"/>
-            <a:ext cx="1798069" cy="1812446"/>
-          </a:xfrm>
-          <a:prstGeom prst="rect">
-            <a:avLst/>
-          </a:prstGeom>
-        </p:spPr>
-      </p:pic>
-      <p:pic>
-        <p:nvPicPr>
-          <p:cNvPr id="13" name="Picture 12" descr="Cockroach Labs - All Things Open 2023">
-            <a:extLst>
-              <a:ext uri="{FF2B5EF4-FFF2-40B4-BE49-F238E27FC236}">
-                <a16:creationId xmlns:a16="http://schemas.microsoft.com/office/drawing/2014/main" id="{36CF4ADF-46CA-5BF2-2F16-22C101F6EA66}"/>
-              </a:ext>
-            </a:extLst>
-          </p:cNvPr>
-          <p:cNvPicPr>
-            <a:picLocks noChangeAspect="1"/>
-          </p:cNvPicPr>
-          <p:nvPr/>
-        </p:nvPicPr>
-        <p:blipFill>
-          <a:blip r:embed="rId9"/>
-          <a:stretch>
-            <a:fillRect/>
-          </a:stretch>
-        </p:blipFill>
-        <p:spPr>
-          <a:xfrm>
-            <a:off x="5515154" y="1424452"/>
-            <a:ext cx="2570672" cy="1478682"/>
-          </a:xfrm>
-          <a:prstGeom prst="rect">
-            <a:avLst/>
-          </a:prstGeom>
-        </p:spPr>
-      </p:pic>
-      <p:pic>
-        <p:nvPicPr>
-          <p:cNvPr id="14" name="Picture 13" descr="File:SQLite370.svg - Wikipedia">
-            <a:extLst>
-              <a:ext uri="{FF2B5EF4-FFF2-40B4-BE49-F238E27FC236}">
-                <a16:creationId xmlns:a16="http://schemas.microsoft.com/office/drawing/2014/main" id="{F26409E4-508A-0512-2445-464786DAFDC6}"/>
-              </a:ext>
-            </a:extLst>
-          </p:cNvPr>
-          <p:cNvPicPr>
-            <a:picLocks noChangeAspect="1"/>
-          </p:cNvPicPr>
-          <p:nvPr/>
-        </p:nvPicPr>
-        <p:blipFill>
-          <a:blip r:embed="rId10"/>
-          <a:stretch>
-            <a:fillRect/>
-          </a:stretch>
-        </p:blipFill>
-        <p:spPr>
-          <a:xfrm>
-            <a:off x="828136" y="3329387"/>
-            <a:ext cx="2196861" cy="1033113"/>
-          </a:xfrm>
-          <a:prstGeom prst="rect">
-            <a:avLst/>
-          </a:prstGeom>
-        </p:spPr>
-      </p:pic>
-      <p:pic>
-        <p:nvPicPr>
-          <p:cNvPr id="15" name="Picture 14" descr="Microsoft SQL Server Logo PNG vector in SVG, PDF, AI, CDR format">
-            <a:extLst>
-              <a:ext uri="{FF2B5EF4-FFF2-40B4-BE49-F238E27FC236}">
-                <a16:creationId xmlns:a16="http://schemas.microsoft.com/office/drawing/2014/main" id="{4F2B5F44-EFEB-2F71-7A79-7319B485CE2E}"/>
-              </a:ext>
-            </a:extLst>
-          </p:cNvPr>
-          <p:cNvPicPr>
-            <a:picLocks noChangeAspect="1"/>
-          </p:cNvPicPr>
-          <p:nvPr/>
-        </p:nvPicPr>
-        <p:blipFill>
-          <a:blip r:embed="rId11"/>
-          <a:stretch>
-            <a:fillRect/>
-          </a:stretch>
-        </p:blipFill>
-        <p:spPr>
-          <a:xfrm>
-            <a:off x="6300248" y="4561037"/>
-            <a:ext cx="2308825" cy="1732832"/>
-          </a:xfrm>
-          <a:prstGeom prst="rect">
-            <a:avLst/>
-          </a:prstGeom>
-        </p:spPr>
-      </p:pic>
-      <p:pic>
-        <p:nvPicPr>
-          <p:cNvPr id="16" name="Picture 15" descr="SAP 4/HANA per FNM – www.nord-com.it">
-            <a:extLst>
-              <a:ext uri="{FF2B5EF4-FFF2-40B4-BE49-F238E27FC236}">
-                <a16:creationId xmlns:a16="http://schemas.microsoft.com/office/drawing/2014/main" id="{67031092-1E24-EF41-6AB0-50C570459718}"/>
-              </a:ext>
-            </a:extLst>
-          </p:cNvPr>
-          <p:cNvPicPr>
-            <a:picLocks noChangeAspect="1"/>
-          </p:cNvPicPr>
-          <p:nvPr/>
-        </p:nvPicPr>
-        <p:blipFill>
-          <a:blip r:embed="rId12"/>
-          <a:stretch>
-            <a:fillRect/>
-          </a:stretch>
-        </p:blipFill>
-        <p:spPr>
-          <a:xfrm>
-            <a:off x="8563154" y="4223371"/>
-            <a:ext cx="2743200" cy="797902"/>
-          </a:xfrm>
-          <a:prstGeom prst="rect">
-            <a:avLst/>
-          </a:prstGeom>
-        </p:spPr>
-      </p:pic>
-      <p:pic>
-        <p:nvPicPr>
-          <p:cNvPr id="17" name="Picture 16" descr="Oracle Database Logo Download - AI - All Vector Logo">
-            <a:extLst>
-              <a:ext uri="{FF2B5EF4-FFF2-40B4-BE49-F238E27FC236}">
-                <a16:creationId xmlns:a16="http://schemas.microsoft.com/office/drawing/2014/main" id="{ED8A888E-BD08-4D1C-1ED5-D375DB5694F4}"/>
-              </a:ext>
-            </a:extLst>
-          </p:cNvPr>
-          <p:cNvPicPr>
-            <a:picLocks noChangeAspect="1"/>
-          </p:cNvPicPr>
-          <p:nvPr/>
-        </p:nvPicPr>
-        <p:blipFill>
-          <a:blip r:embed="rId13"/>
-          <a:stretch>
-            <a:fillRect/>
-          </a:stretch>
-        </p:blipFill>
-        <p:spPr>
-          <a:xfrm>
-            <a:off x="3487946" y="4613552"/>
-            <a:ext cx="2743200" cy="1484026"/>
-          </a:xfrm>
-          <a:prstGeom prst="rect">
-            <a:avLst/>
-          </a:prstGeom>
-        </p:spPr>
-      </p:pic>
-      <p:pic>
-        <p:nvPicPr>
-          <p:cNvPr id="18" name="Picture 17" descr="A yellow sign with black letters&#10;&#10;Description automatically generated">
-            <a:extLst>
-              <a:ext uri="{FF2B5EF4-FFF2-40B4-BE49-F238E27FC236}">
-                <a16:creationId xmlns:a16="http://schemas.microsoft.com/office/drawing/2014/main" id="{4D014C42-8C19-CCBE-4338-973004237C28}"/>
-              </a:ext>
-            </a:extLst>
-          </p:cNvPr>
-          <p:cNvPicPr>
-            <a:picLocks noChangeAspect="1"/>
-          </p:cNvPicPr>
-          <p:nvPr/>
-        </p:nvPicPr>
-        <p:blipFill>
-          <a:blip r:embed="rId14"/>
-          <a:stretch>
-            <a:fillRect/>
-          </a:stretch>
-        </p:blipFill>
-        <p:spPr>
-          <a:xfrm>
-            <a:off x="1777042" y="4789099"/>
-            <a:ext cx="989163" cy="1017918"/>
-          </a:xfrm>
-          <a:prstGeom prst="rect">
-            <a:avLst/>
-          </a:prstGeom>
-        </p:spPr>
-      </p:pic>
-      <p:pic>
-        <p:nvPicPr>
-          <p:cNvPr id="19" name="Picture 18" descr="File:MongoDB Logo.svg - Wikipedia">
-            <a:extLst>
-              <a:ext uri="{FF2B5EF4-FFF2-40B4-BE49-F238E27FC236}">
-                <a16:creationId xmlns:a16="http://schemas.microsoft.com/office/drawing/2014/main" id="{A3FA6868-008B-BEFA-B9EE-0E4B2A511E3F}"/>
-              </a:ext>
-            </a:extLst>
-          </p:cNvPr>
-          <p:cNvPicPr>
-            <a:picLocks noChangeAspect="1"/>
-          </p:cNvPicPr>
-          <p:nvPr/>
-        </p:nvPicPr>
-        <p:blipFill>
-          <a:blip r:embed="rId15"/>
-          <a:stretch>
-            <a:fillRect/>
-          </a:stretch>
-        </p:blipFill>
-        <p:spPr>
-          <a:xfrm>
-            <a:off x="4451230" y="3622268"/>
-            <a:ext cx="2743200" cy="734899"/>
-          </a:xfrm>
-          <a:prstGeom prst="rect">
-            <a:avLst/>
-          </a:prstGeom>
-        </p:spPr>
-      </p:pic>
+              <a:t>Altre caratteristiche</a:t>
+            </a:r>
+          </a:p>
+        </p:txBody>
+      </p:sp>
     </p:spTree>
     <p:extLst>
       <p:ext uri="{BB962C8B-B14F-4D97-AF65-F5344CB8AC3E}">
-        <p14:creationId xmlns:p14="http://schemas.microsoft.com/office/powerpoint/2010/main" val="2932327897"/>
+        <p14:creationId xmlns:p14="http://schemas.microsoft.com/office/powerpoint/2010/main" val="3333682196"/>
       </p:ext>
     </p:extLst>
   </p:cSld>
@@ -7552,7 +7342,7 @@
           <p:cNvPr id="9" name="Graphic 8" descr="An organic corner shape">
             <a:extLst>
               <a:ext uri="{FF2B5EF4-FFF2-40B4-BE49-F238E27FC236}">
-                <a16:creationId xmlns:a16="http://schemas.microsoft.com/office/drawing/2014/main" id="{922DB5A4-F021-0B1A-6A5C-9AA949646947}"/>
+                <a16:creationId xmlns:a16="http://schemas.microsoft.com/office/drawing/2014/main" id="{16DCD961-4F4A-CC97-7696-DF962B32B7BE}"/>
               </a:ext>
             </a:extLst>
           </p:cNvPr>
@@ -7588,7 +7378,7 @@
           <p:cNvPr id="5" name="Graphic 4">
             <a:extLst>
               <a:ext uri="{FF2B5EF4-FFF2-40B4-BE49-F238E27FC236}">
-                <a16:creationId xmlns:a16="http://schemas.microsoft.com/office/drawing/2014/main" id="{4D8757A8-338E-80FD-DB86-D3583EF401D4}"/>
+                <a16:creationId xmlns:a16="http://schemas.microsoft.com/office/drawing/2014/main" id="{313BBD6D-B071-F25F-5D39-A2AB3D0676FE}"/>
               </a:ext>
             </a:extLst>
           </p:cNvPr>
@@ -7624,7 +7414,7 @@
           <p:cNvPr id="6" name="Title 1">
             <a:extLst>
               <a:ext uri="{FF2B5EF4-FFF2-40B4-BE49-F238E27FC236}">
-                <a16:creationId xmlns:a16="http://schemas.microsoft.com/office/drawing/2014/main" id="{EEE4CBC7-0226-C173-BA1E-698A6520139D}"/>
+                <a16:creationId xmlns:a16="http://schemas.microsoft.com/office/drawing/2014/main" id="{3563C32F-5297-F1F0-54CA-AD1B3DE2A4BF}"/>
               </a:ext>
             </a:extLst>
           </p:cNvPr>
@@ -7670,8 +7460,7 @@
             <a:r>
               <a:rPr lang="en-US" sz="2400" b="1">
                 <a:latin typeface="Congenial"/>
-                <a:ea typeface="calibri light"/>
-                <a:cs typeface="calibri light"/>
+                <a:cs typeface="Calibri Light"/>
               </a:rPr>
               <a:t>LINUX DAY • TORINO 2023</a:t>
             </a:r>
@@ -7683,7 +7472,7 @@
           <p:cNvPr id="2" name="Title 1">
             <a:extLst>
               <a:ext uri="{FF2B5EF4-FFF2-40B4-BE49-F238E27FC236}">
-                <a16:creationId xmlns:a16="http://schemas.microsoft.com/office/drawing/2014/main" id="{6E3FEA40-81C4-382F-BBA0-7AEAC3D71C10}"/>
+                <a16:creationId xmlns:a16="http://schemas.microsoft.com/office/drawing/2014/main" id="{67F09614-D9B5-1ACE-CEB2-40574AF6AD0E}"/>
               </a:ext>
             </a:extLst>
           </p:cNvPr>
@@ -7696,7 +7485,7 @@
         </p:nvSpPr>
         <p:spPr>
           <a:xfrm>
-            <a:off x="838200" y="93807"/>
+            <a:off x="838200" y="197037"/>
             <a:ext cx="10515600" cy="1325563"/>
           </a:xfrm>
         </p:spPr>
@@ -7710,28 +7499,37 @@
             <a:r>
               <a:rPr lang="en-US" sz="4000" err="1">
                 <a:latin typeface="Congenial"/>
-                <a:ea typeface="calibri light"/>
-                <a:cs typeface="calibri light"/>
+                <a:cs typeface="Calibri Light"/>
               </a:rPr>
               <a:t>TypeORM</a:t>
             </a:r>
             <a:r>
               <a:rPr lang="en-US" sz="4000">
                 <a:latin typeface="Congenial"/>
-                <a:ea typeface="calibri light"/>
-                <a:cs typeface="calibri light"/>
-              </a:rPr>
-              <a:t>: active record</a:t>
-            </a:r>
+                <a:cs typeface="Calibri Light"/>
+              </a:rPr>
+              <a:t>: database </a:t>
+            </a:r>
+            <a:r>
+              <a:rPr lang="en-US" sz="4000" err="1">
+                <a:latin typeface="Congenial"/>
+                <a:cs typeface="Calibri Light"/>
+              </a:rPr>
+              <a:t>supportati</a:t>
+            </a:r>
+            <a:endParaRPr lang="en-US" sz="4000">
+              <a:latin typeface="Congenial"/>
+              <a:cs typeface="Calibri Light"/>
+            </a:endParaRPr>
           </a:p>
         </p:txBody>
       </p:sp>
       <p:pic>
         <p:nvPicPr>
-          <p:cNvPr id="35" name="Picture 34" descr="A screenshot of a computer program&#10;&#10;Description automatically generated">
-            <a:extLst>
-              <a:ext uri="{FF2B5EF4-FFF2-40B4-BE49-F238E27FC236}">
-                <a16:creationId xmlns:a16="http://schemas.microsoft.com/office/drawing/2014/main" id="{7CDA7C3D-34BC-AD66-56AF-68845563E71C}"/>
+          <p:cNvPr id="4" name="Picture 3" descr="Cos'è MySQL e a cosa serve">
+            <a:extLst>
+              <a:ext uri="{FF2B5EF4-FFF2-40B4-BE49-F238E27FC236}">
+                <a16:creationId xmlns:a16="http://schemas.microsoft.com/office/drawing/2014/main" id="{B3698E97-8F8F-9A8F-7524-7868EF479AE7}"/>
               </a:ext>
             </a:extLst>
           </p:cNvPr>
@@ -7748,8 +7546,278 @@
         </p:blipFill>
         <p:spPr>
           <a:xfrm>
-            <a:off x="378619" y="1337669"/>
-            <a:ext cx="11535965" cy="4414834"/>
+            <a:off x="1217676" y="1585249"/>
+            <a:ext cx="2015527" cy="1369264"/>
+          </a:xfrm>
+          <a:prstGeom prst="rect">
+            <a:avLst/>
+          </a:prstGeom>
+        </p:spPr>
+      </p:pic>
+      <p:pic>
+        <p:nvPicPr>
+          <p:cNvPr id="7" name="Picture 6" descr="Official MariaDB Logos | MariaDB">
+            <a:extLst>
+              <a:ext uri="{FF2B5EF4-FFF2-40B4-BE49-F238E27FC236}">
+                <a16:creationId xmlns:a16="http://schemas.microsoft.com/office/drawing/2014/main" id="{9199AD0E-13F0-BDA2-6CC3-CE09C8B82E70}"/>
+              </a:ext>
+            </a:extLst>
+          </p:cNvPr>
+          <p:cNvPicPr>
+            <a:picLocks noChangeAspect="1"/>
+          </p:cNvPicPr>
+          <p:nvPr/>
+        </p:nvPicPr>
+        <p:blipFill>
+          <a:blip r:embed="rId7"/>
+          <a:stretch>
+            <a:fillRect/>
+          </a:stretch>
+        </p:blipFill>
+        <p:spPr>
+          <a:xfrm>
+            <a:off x="3659306" y="1700214"/>
+            <a:ext cx="1681612" cy="1358481"/>
+          </a:xfrm>
+          <a:prstGeom prst="rect">
+            <a:avLst/>
+          </a:prstGeom>
+        </p:spPr>
+      </p:pic>
+      <p:pic>
+        <p:nvPicPr>
+          <p:cNvPr id="10" name="Picture 9" descr="Postgresql originale wordmark logo - Icone Social media e loghi">
+            <a:extLst>
+              <a:ext uri="{FF2B5EF4-FFF2-40B4-BE49-F238E27FC236}">
+                <a16:creationId xmlns:a16="http://schemas.microsoft.com/office/drawing/2014/main" id="{2732CB63-D141-C9DB-FA22-AC6CD635D89A}"/>
+              </a:ext>
+            </a:extLst>
+          </p:cNvPr>
+          <p:cNvPicPr>
+            <a:picLocks noChangeAspect="1"/>
+          </p:cNvPicPr>
+          <p:nvPr/>
+        </p:nvPicPr>
+        <p:blipFill>
+          <a:blip r:embed="rId8"/>
+          <a:stretch>
+            <a:fillRect/>
+          </a:stretch>
+        </p:blipFill>
+        <p:spPr>
+          <a:xfrm>
+            <a:off x="8417493" y="1825475"/>
+            <a:ext cx="1798069" cy="1812446"/>
+          </a:xfrm>
+          <a:prstGeom prst="rect">
+            <a:avLst/>
+          </a:prstGeom>
+        </p:spPr>
+      </p:pic>
+      <p:pic>
+        <p:nvPicPr>
+          <p:cNvPr id="13" name="Picture 12" descr="Cockroach Labs - All Things Open 2023">
+            <a:extLst>
+              <a:ext uri="{FF2B5EF4-FFF2-40B4-BE49-F238E27FC236}">
+                <a16:creationId xmlns:a16="http://schemas.microsoft.com/office/drawing/2014/main" id="{36CF4ADF-46CA-5BF2-2F16-22C101F6EA66}"/>
+              </a:ext>
+            </a:extLst>
+          </p:cNvPr>
+          <p:cNvPicPr>
+            <a:picLocks noChangeAspect="1"/>
+          </p:cNvPicPr>
+          <p:nvPr/>
+        </p:nvPicPr>
+        <p:blipFill>
+          <a:blip r:embed="rId9"/>
+          <a:stretch>
+            <a:fillRect/>
+          </a:stretch>
+        </p:blipFill>
+        <p:spPr>
+          <a:xfrm>
+            <a:off x="5515154" y="1424452"/>
+            <a:ext cx="2570672" cy="1478682"/>
+          </a:xfrm>
+          <a:prstGeom prst="rect">
+            <a:avLst/>
+          </a:prstGeom>
+        </p:spPr>
+      </p:pic>
+      <p:pic>
+        <p:nvPicPr>
+          <p:cNvPr id="14" name="Picture 13" descr="File:SQLite370.svg - Wikipedia">
+            <a:extLst>
+              <a:ext uri="{FF2B5EF4-FFF2-40B4-BE49-F238E27FC236}">
+                <a16:creationId xmlns:a16="http://schemas.microsoft.com/office/drawing/2014/main" id="{F26409E4-508A-0512-2445-464786DAFDC6}"/>
+              </a:ext>
+            </a:extLst>
+          </p:cNvPr>
+          <p:cNvPicPr>
+            <a:picLocks noChangeAspect="1"/>
+          </p:cNvPicPr>
+          <p:nvPr/>
+        </p:nvPicPr>
+        <p:blipFill>
+          <a:blip r:embed="rId10"/>
+          <a:stretch>
+            <a:fillRect/>
+          </a:stretch>
+        </p:blipFill>
+        <p:spPr>
+          <a:xfrm>
+            <a:off x="828136" y="3329387"/>
+            <a:ext cx="2196861" cy="1033113"/>
+          </a:xfrm>
+          <a:prstGeom prst="rect">
+            <a:avLst/>
+          </a:prstGeom>
+        </p:spPr>
+      </p:pic>
+      <p:pic>
+        <p:nvPicPr>
+          <p:cNvPr id="15" name="Picture 14" descr="Microsoft SQL Server Logo PNG vector in SVG, PDF, AI, CDR format">
+            <a:extLst>
+              <a:ext uri="{FF2B5EF4-FFF2-40B4-BE49-F238E27FC236}">
+                <a16:creationId xmlns:a16="http://schemas.microsoft.com/office/drawing/2014/main" id="{4F2B5F44-EFEB-2F71-7A79-7319B485CE2E}"/>
+              </a:ext>
+            </a:extLst>
+          </p:cNvPr>
+          <p:cNvPicPr>
+            <a:picLocks noChangeAspect="1"/>
+          </p:cNvPicPr>
+          <p:nvPr/>
+        </p:nvPicPr>
+        <p:blipFill>
+          <a:blip r:embed="rId11"/>
+          <a:stretch>
+            <a:fillRect/>
+          </a:stretch>
+        </p:blipFill>
+        <p:spPr>
+          <a:xfrm>
+            <a:off x="6300248" y="4561037"/>
+            <a:ext cx="2308825" cy="1732832"/>
+          </a:xfrm>
+          <a:prstGeom prst="rect">
+            <a:avLst/>
+          </a:prstGeom>
+        </p:spPr>
+      </p:pic>
+      <p:pic>
+        <p:nvPicPr>
+          <p:cNvPr id="16" name="Picture 15" descr="SAP 4/HANA per FNM – www.nord-com.it">
+            <a:extLst>
+              <a:ext uri="{FF2B5EF4-FFF2-40B4-BE49-F238E27FC236}">
+                <a16:creationId xmlns:a16="http://schemas.microsoft.com/office/drawing/2014/main" id="{67031092-1E24-EF41-6AB0-50C570459718}"/>
+              </a:ext>
+            </a:extLst>
+          </p:cNvPr>
+          <p:cNvPicPr>
+            <a:picLocks noChangeAspect="1"/>
+          </p:cNvPicPr>
+          <p:nvPr/>
+        </p:nvPicPr>
+        <p:blipFill>
+          <a:blip r:embed="rId12"/>
+          <a:stretch>
+            <a:fillRect/>
+          </a:stretch>
+        </p:blipFill>
+        <p:spPr>
+          <a:xfrm>
+            <a:off x="8563154" y="4223371"/>
+            <a:ext cx="2743200" cy="797902"/>
+          </a:xfrm>
+          <a:prstGeom prst="rect">
+            <a:avLst/>
+          </a:prstGeom>
+        </p:spPr>
+      </p:pic>
+      <p:pic>
+        <p:nvPicPr>
+          <p:cNvPr id="17" name="Picture 16" descr="Oracle Database Logo Download - AI - All Vector Logo">
+            <a:extLst>
+              <a:ext uri="{FF2B5EF4-FFF2-40B4-BE49-F238E27FC236}">
+                <a16:creationId xmlns:a16="http://schemas.microsoft.com/office/drawing/2014/main" id="{ED8A888E-BD08-4D1C-1ED5-D375DB5694F4}"/>
+              </a:ext>
+            </a:extLst>
+          </p:cNvPr>
+          <p:cNvPicPr>
+            <a:picLocks noChangeAspect="1"/>
+          </p:cNvPicPr>
+          <p:nvPr/>
+        </p:nvPicPr>
+        <p:blipFill>
+          <a:blip r:embed="rId13"/>
+          <a:stretch>
+            <a:fillRect/>
+          </a:stretch>
+        </p:blipFill>
+        <p:spPr>
+          <a:xfrm>
+            <a:off x="3487946" y="4613552"/>
+            <a:ext cx="2743200" cy="1484026"/>
+          </a:xfrm>
+          <a:prstGeom prst="rect">
+            <a:avLst/>
+          </a:prstGeom>
+        </p:spPr>
+      </p:pic>
+      <p:pic>
+        <p:nvPicPr>
+          <p:cNvPr id="18" name="Picture 17" descr="A yellow sign with black letters&#10;&#10;Description automatically generated">
+            <a:extLst>
+              <a:ext uri="{FF2B5EF4-FFF2-40B4-BE49-F238E27FC236}">
+                <a16:creationId xmlns:a16="http://schemas.microsoft.com/office/drawing/2014/main" id="{4D014C42-8C19-CCBE-4338-973004237C28}"/>
+              </a:ext>
+            </a:extLst>
+          </p:cNvPr>
+          <p:cNvPicPr>
+            <a:picLocks noChangeAspect="1"/>
+          </p:cNvPicPr>
+          <p:nvPr/>
+        </p:nvPicPr>
+        <p:blipFill>
+          <a:blip r:embed="rId14"/>
+          <a:stretch>
+            <a:fillRect/>
+          </a:stretch>
+        </p:blipFill>
+        <p:spPr>
+          <a:xfrm>
+            <a:off x="1777042" y="4789099"/>
+            <a:ext cx="989163" cy="1017918"/>
+          </a:xfrm>
+          <a:prstGeom prst="rect">
+            <a:avLst/>
+          </a:prstGeom>
+        </p:spPr>
+      </p:pic>
+      <p:pic>
+        <p:nvPicPr>
+          <p:cNvPr id="19" name="Picture 18" descr="File:MongoDB Logo.svg - Wikipedia">
+            <a:extLst>
+              <a:ext uri="{FF2B5EF4-FFF2-40B4-BE49-F238E27FC236}">
+                <a16:creationId xmlns:a16="http://schemas.microsoft.com/office/drawing/2014/main" id="{A3FA6868-008B-BEFA-B9EE-0E4B2A511E3F}"/>
+              </a:ext>
+            </a:extLst>
+          </p:cNvPr>
+          <p:cNvPicPr>
+            <a:picLocks noChangeAspect="1"/>
+          </p:cNvPicPr>
+          <p:nvPr/>
+        </p:nvPicPr>
+        <p:blipFill>
+          <a:blip r:embed="rId15"/>
+          <a:stretch>
+            <a:fillRect/>
+          </a:stretch>
+        </p:blipFill>
+        <p:spPr>
+          <a:xfrm>
+            <a:off x="4451230" y="3622268"/>
+            <a:ext cx="2743200" cy="734899"/>
           </a:xfrm>
           <a:prstGeom prst="rect">
             <a:avLst/>
@@ -7759,7 +7827,7 @@
     </p:spTree>
     <p:extLst>
       <p:ext uri="{BB962C8B-B14F-4D97-AF65-F5344CB8AC3E}">
-        <p14:creationId xmlns:p14="http://schemas.microsoft.com/office/powerpoint/2010/main" val="1571474778"/>
+        <p14:creationId xmlns:p14="http://schemas.microsoft.com/office/powerpoint/2010/main" val="2932327897"/>
       </p:ext>
     </p:extLst>
   </p:cSld>
@@ -7909,8 +7977,8 @@
             <a:r>
               <a:rPr lang="en-US" sz="2400" b="1">
                 <a:latin typeface="Congenial"/>
-                <a:ea typeface="Tahoma"/>
-                <a:cs typeface="Tahoma"/>
+                <a:ea typeface="calibri light"/>
+                <a:cs typeface="calibri light"/>
               </a:rPr>
               <a:t>LINUX DAY • TORINO 2023</a:t>
             </a:r>
@@ -7949,28 +8017,28 @@
             <a:r>
               <a:rPr lang="en-US" sz="4000" err="1">
                 <a:latin typeface="Congenial"/>
-                <a:ea typeface="Tahoma"/>
-                <a:cs typeface="Tahoma"/>
+                <a:ea typeface="calibri light"/>
+                <a:cs typeface="calibri light"/>
               </a:rPr>
               <a:t>TypeORM</a:t>
             </a:r>
             <a:r>
               <a:rPr lang="en-US" sz="4000">
                 <a:latin typeface="Congenial"/>
-                <a:ea typeface="Tahoma"/>
-                <a:cs typeface="Tahoma"/>
-              </a:rPr>
-              <a:t>: entity manager</a:t>
+                <a:ea typeface="calibri light"/>
+                <a:cs typeface="calibri light"/>
+              </a:rPr>
+              <a:t>: active record</a:t>
             </a:r>
           </a:p>
         </p:txBody>
       </p:sp>
       <p:pic>
         <p:nvPicPr>
-          <p:cNvPr id="13" name="Picture 12" descr="A screenshot of a computer program&#10;&#10;Description automatically generated">
-            <a:extLst>
-              <a:ext uri="{FF2B5EF4-FFF2-40B4-BE49-F238E27FC236}">
-                <a16:creationId xmlns:a16="http://schemas.microsoft.com/office/drawing/2014/main" id="{6E706799-9987-AF51-9004-BD4AA954FA72}"/>
+          <p:cNvPr id="35" name="Picture 34" descr="A screenshot of a computer program&#10;&#10;Description automatically generated">
+            <a:extLst>
+              <a:ext uri="{FF2B5EF4-FFF2-40B4-BE49-F238E27FC236}">
+                <a16:creationId xmlns:a16="http://schemas.microsoft.com/office/drawing/2014/main" id="{7CDA7C3D-34BC-AD66-56AF-68845563E71C}"/>
               </a:ext>
             </a:extLst>
           </p:cNvPr>
@@ -7987,8 +8055,8 @@
         </p:blipFill>
         <p:spPr>
           <a:xfrm>
-            <a:off x="235744" y="1355983"/>
-            <a:ext cx="11732417" cy="4372250"/>
+            <a:off x="378619" y="1337669"/>
+            <a:ext cx="11535965" cy="4414834"/>
           </a:xfrm>
           <a:prstGeom prst="rect">
             <a:avLst/>
@@ -7998,7 +8066,7 @@
     </p:spTree>
     <p:extLst>
       <p:ext uri="{BB962C8B-B14F-4D97-AF65-F5344CB8AC3E}">
-        <p14:creationId xmlns:p14="http://schemas.microsoft.com/office/powerpoint/2010/main" val="3828131085"/>
+        <p14:creationId xmlns:p14="http://schemas.microsoft.com/office/powerpoint/2010/main" val="1571474778"/>
       </p:ext>
     </p:extLst>
   </p:cSld>
@@ -8148,7 +8216,8 @@
             <a:r>
               <a:rPr lang="en-US" sz="2400" b="1">
                 <a:latin typeface="Congenial"/>
-                <a:cs typeface="Calibri Light"/>
+                <a:ea typeface="Tahoma"/>
+                <a:cs typeface="Tahoma"/>
               </a:rPr>
               <a:t>LINUX DAY • TORINO 2023</a:t>
             </a:r>
@@ -8187,16 +8256,18 @@
             <a:r>
               <a:rPr lang="en-US" sz="4000" err="1">
                 <a:latin typeface="Congenial"/>
-                <a:cs typeface="Calibri Light"/>
+                <a:ea typeface="Tahoma"/>
+                <a:cs typeface="Tahoma"/>
               </a:rPr>
               <a:t>TypeORM</a:t>
             </a:r>
             <a:r>
-              <a:rPr lang="en-US">
+              <a:rPr lang="en-US" sz="4000">
                 <a:latin typeface="Congenial"/>
-                <a:cs typeface="Calibri Light"/>
-              </a:rPr>
-              <a:t>: data mapper</a:t>
+                <a:ea typeface="Tahoma"/>
+                <a:cs typeface="Tahoma"/>
+              </a:rPr>
+              <a:t>: entity manager</a:t>
             </a:r>
           </a:p>
         </p:txBody>
@@ -8206,7 +8277,7 @@
           <p:cNvPr id="13" name="Picture 12" descr="A screenshot of a computer program&#10;&#10;Description automatically generated">
             <a:extLst>
               <a:ext uri="{FF2B5EF4-FFF2-40B4-BE49-F238E27FC236}">
-                <a16:creationId xmlns:a16="http://schemas.microsoft.com/office/drawing/2014/main" id="{E951DC9A-F9F9-BD52-396F-71FA57AAC208}"/>
+                <a16:creationId xmlns:a16="http://schemas.microsoft.com/office/drawing/2014/main" id="{6E706799-9987-AF51-9004-BD4AA954FA72}"/>
               </a:ext>
             </a:extLst>
           </p:cNvPr>
@@ -8223,8 +8294,8 @@
         </p:blipFill>
         <p:spPr>
           <a:xfrm>
-            <a:off x="426244" y="1256704"/>
-            <a:ext cx="11345464" cy="4427934"/>
+            <a:off x="235744" y="1355983"/>
+            <a:ext cx="11732417" cy="4372250"/>
           </a:xfrm>
           <a:prstGeom prst="rect">
             <a:avLst/>
@@ -8234,7 +8305,7 @@
     </p:spTree>
     <p:extLst>
       <p:ext uri="{BB962C8B-B14F-4D97-AF65-F5344CB8AC3E}">
-        <p14:creationId xmlns:p14="http://schemas.microsoft.com/office/powerpoint/2010/main" val="3372303636"/>
+        <p14:creationId xmlns:p14="http://schemas.microsoft.com/office/powerpoint/2010/main" val="3828131085"/>
       </p:ext>
     </p:extLst>
   </p:cSld>
@@ -8409,8 +8480,8 @@
         </p:nvSpPr>
         <p:spPr>
           <a:xfrm>
-            <a:off x="838200" y="-45418"/>
-            <a:ext cx="10515600" cy="1227427"/>
+            <a:off x="838200" y="93807"/>
+            <a:ext cx="10515600" cy="1325563"/>
           </a:xfrm>
         </p:spPr>
         <p:txBody>
@@ -8428,21 +8499,21 @@
               <a:t>TypeORM</a:t>
             </a:r>
             <a:r>
-              <a:rPr lang="en-US" sz="4000">
+              <a:rPr lang="en-US">
                 <a:latin typeface="Congenial"/>
                 <a:cs typeface="Calibri Light"/>
               </a:rPr>
-              <a:t>: view entity</a:t>
+              <a:t>: data mapper</a:t>
             </a:r>
           </a:p>
         </p:txBody>
       </p:sp>
       <p:pic>
         <p:nvPicPr>
-          <p:cNvPr id="15" name="Picture 14" descr="A screenshot of a computer program&#10;&#10;Description automatically generated">
-            <a:extLst>
-              <a:ext uri="{FF2B5EF4-FFF2-40B4-BE49-F238E27FC236}">
-                <a16:creationId xmlns:a16="http://schemas.microsoft.com/office/drawing/2014/main" id="{15E6E90E-C88C-6B0A-20A9-22536908A840}"/>
+          <p:cNvPr id="13" name="Picture 12" descr="A screenshot of a computer program&#10;&#10;Description automatically generated">
+            <a:extLst>
+              <a:ext uri="{FF2B5EF4-FFF2-40B4-BE49-F238E27FC236}">
+                <a16:creationId xmlns:a16="http://schemas.microsoft.com/office/drawing/2014/main" id="{E951DC9A-F9F9-BD52-396F-71FA57AAC208}"/>
               </a:ext>
             </a:extLst>
           </p:cNvPr>
@@ -8459,8 +8530,8 @@
         </p:blipFill>
         <p:spPr>
           <a:xfrm>
-            <a:off x="1718073" y="846299"/>
-            <a:ext cx="8755854" cy="5099919"/>
+            <a:off x="426244" y="1256704"/>
+            <a:ext cx="11345464" cy="4427934"/>
           </a:xfrm>
           <a:prstGeom prst="rect">
             <a:avLst/>
@@ -8470,7 +8541,7 @@
     </p:spTree>
     <p:extLst>
       <p:ext uri="{BB962C8B-B14F-4D97-AF65-F5344CB8AC3E}">
-        <p14:creationId xmlns:p14="http://schemas.microsoft.com/office/powerpoint/2010/main" val="427763684"/>
+        <p14:creationId xmlns:p14="http://schemas.microsoft.com/office/powerpoint/2010/main" val="3372303636"/>
       </p:ext>
     </p:extLst>
   </p:cSld>
@@ -8533,6 +8604,42 @@
           </a:prstGeom>
         </p:spPr>
       </p:pic>
+      <p:pic>
+        <p:nvPicPr>
+          <p:cNvPr id="5" name="Graphic 4">
+            <a:extLst>
+              <a:ext uri="{FF2B5EF4-FFF2-40B4-BE49-F238E27FC236}">
+                <a16:creationId xmlns:a16="http://schemas.microsoft.com/office/drawing/2014/main" id="{4D8757A8-338E-80FD-DB86-D3583EF401D4}"/>
+              </a:ext>
+            </a:extLst>
+          </p:cNvPr>
+          <p:cNvPicPr>
+            <a:picLocks noChangeAspect="1"/>
+          </p:cNvPicPr>
+          <p:nvPr/>
+        </p:nvPicPr>
+        <p:blipFill>
+          <a:blip r:embed="rId4">
+            <a:extLst>
+              <a:ext uri="{96DAC541-7B7A-43D3-8B79-37D633B846F1}">
+                <asvg:svgBlip xmlns:asvg="http://schemas.microsoft.com/office/drawing/2016/SVG/main" r:embed="rId5"/>
+              </a:ext>
+            </a:extLst>
+          </a:blip>
+          <a:stretch>
+            <a:fillRect/>
+          </a:stretch>
+        </p:blipFill>
+        <p:spPr>
+          <a:xfrm>
+            <a:off x="10069722" y="5946115"/>
+            <a:ext cx="1843537" cy="716712"/>
+          </a:xfrm>
+          <a:prstGeom prst="rect">
+            <a:avLst/>
+          </a:prstGeom>
+        </p:spPr>
+      </p:pic>
       <p:sp>
         <p:nvSpPr>
           <p:cNvPr id="6" name="Title 1">
@@ -8609,8 +8716,8 @@
         </p:nvSpPr>
         <p:spPr>
           <a:xfrm>
-            <a:off x="838200" y="93807"/>
-            <a:ext cx="10515600" cy="1325563"/>
+            <a:off x="838200" y="-45418"/>
+            <a:ext cx="10515600" cy="1227427"/>
           </a:xfrm>
         </p:spPr>
         <p:txBody>
@@ -8628,21 +8735,21 @@
               <a:t>TypeORM</a:t>
             </a:r>
             <a:r>
-              <a:rPr lang="en-US">
+              <a:rPr lang="en-US" sz="4000">
                 <a:latin typeface="Congenial"/>
                 <a:cs typeface="Calibri Light"/>
               </a:rPr>
-              <a:t>: relations</a:t>
+              <a:t>: view entity</a:t>
             </a:r>
           </a:p>
         </p:txBody>
       </p:sp>
       <p:pic>
         <p:nvPicPr>
-          <p:cNvPr id="13" name="Picture 12" descr="A screenshot of a computer program&#10;&#10;Description automatically generated">
-            <a:extLst>
-              <a:ext uri="{FF2B5EF4-FFF2-40B4-BE49-F238E27FC236}">
-                <a16:creationId xmlns:a16="http://schemas.microsoft.com/office/drawing/2014/main" id="{3B236988-08D6-92CA-4A93-33D30827F74A}"/>
+          <p:cNvPr id="15" name="Picture 14" descr="A screenshot of a computer program&#10;&#10;Description automatically generated">
+            <a:extLst>
+              <a:ext uri="{FF2B5EF4-FFF2-40B4-BE49-F238E27FC236}">
+                <a16:creationId xmlns:a16="http://schemas.microsoft.com/office/drawing/2014/main" id="{15E6E90E-C88C-6B0A-20A9-22536908A840}"/>
               </a:ext>
             </a:extLst>
           </p:cNvPr>
@@ -8652,51 +8759,15 @@
           <p:nvPr/>
         </p:nvPicPr>
         <p:blipFill>
-          <a:blip r:embed="rId4"/>
+          <a:blip r:embed="rId6"/>
           <a:stretch>
             <a:fillRect/>
           </a:stretch>
         </p:blipFill>
         <p:spPr>
           <a:xfrm>
-            <a:off x="485775" y="1093802"/>
-            <a:ext cx="11226402" cy="4968053"/>
-          </a:xfrm>
-          <a:prstGeom prst="rect">
-            <a:avLst/>
-          </a:prstGeom>
-        </p:spPr>
-      </p:pic>
-      <p:pic>
-        <p:nvPicPr>
-          <p:cNvPr id="5" name="Graphic 4">
-            <a:extLst>
-              <a:ext uri="{FF2B5EF4-FFF2-40B4-BE49-F238E27FC236}">
-                <a16:creationId xmlns:a16="http://schemas.microsoft.com/office/drawing/2014/main" id="{4D8757A8-338E-80FD-DB86-D3583EF401D4}"/>
-              </a:ext>
-            </a:extLst>
-          </p:cNvPr>
-          <p:cNvPicPr>
-            <a:picLocks noChangeAspect="1"/>
-          </p:cNvPicPr>
-          <p:nvPr/>
-        </p:nvPicPr>
-        <p:blipFill>
-          <a:blip r:embed="rId5">
-            <a:extLst>
-              <a:ext uri="{96DAC541-7B7A-43D3-8B79-37D633B846F1}">
-                <asvg:svgBlip xmlns:asvg="http://schemas.microsoft.com/office/drawing/2016/SVG/main" r:embed="rId6"/>
-              </a:ext>
-            </a:extLst>
-          </a:blip>
-          <a:stretch>
-            <a:fillRect/>
-          </a:stretch>
-        </p:blipFill>
-        <p:spPr>
-          <a:xfrm>
-            <a:off x="10069722" y="5946115"/>
-            <a:ext cx="1843537" cy="716712"/>
+            <a:off x="1718073" y="846299"/>
+            <a:ext cx="8755854" cy="5099919"/>
           </a:xfrm>
           <a:prstGeom prst="rect">
             <a:avLst/>
@@ -8706,7 +8777,7 @@
     </p:spTree>
     <p:extLst>
       <p:ext uri="{BB962C8B-B14F-4D97-AF65-F5344CB8AC3E}">
-        <p14:creationId xmlns:p14="http://schemas.microsoft.com/office/powerpoint/2010/main" val="1509326529"/>
+        <p14:creationId xmlns:p14="http://schemas.microsoft.com/office/powerpoint/2010/main" val="427763684"/>
       </p:ext>
     </p:extLst>
   </p:cSld>
@@ -8738,7 +8809,7 @@
           <p:cNvPr id="9" name="Graphic 8" descr="An organic corner shape">
             <a:extLst>
               <a:ext uri="{FF2B5EF4-FFF2-40B4-BE49-F238E27FC236}">
-                <a16:creationId xmlns:a16="http://schemas.microsoft.com/office/drawing/2014/main" id="{73BBF962-9559-5558-3D9B-113A5E08E2D7}"/>
+                <a16:creationId xmlns:a16="http://schemas.microsoft.com/office/drawing/2014/main" id="{922DB5A4-F021-0B1A-6A5C-9AA949646947}"/>
               </a:ext>
             </a:extLst>
           </p:cNvPr>
@@ -8769,48 +8840,12 @@
           </a:prstGeom>
         </p:spPr>
       </p:pic>
-      <p:pic>
-        <p:nvPicPr>
-          <p:cNvPr id="5" name="Graphic 4">
-            <a:extLst>
-              <a:ext uri="{FF2B5EF4-FFF2-40B4-BE49-F238E27FC236}">
-                <a16:creationId xmlns:a16="http://schemas.microsoft.com/office/drawing/2014/main" id="{062DC8EA-B860-4580-60A1-657DD0537884}"/>
-              </a:ext>
-            </a:extLst>
-          </p:cNvPr>
-          <p:cNvPicPr>
-            <a:picLocks noChangeAspect="1"/>
-          </p:cNvPicPr>
-          <p:nvPr/>
-        </p:nvPicPr>
-        <p:blipFill>
-          <a:blip r:embed="rId4">
-            <a:extLst>
-              <a:ext uri="{96DAC541-7B7A-43D3-8B79-37D633B846F1}">
-                <asvg:svgBlip xmlns:asvg="http://schemas.microsoft.com/office/drawing/2016/SVG/main" r:embed="rId5"/>
-              </a:ext>
-            </a:extLst>
-          </a:blip>
-          <a:stretch>
-            <a:fillRect/>
-          </a:stretch>
-        </p:blipFill>
-        <p:spPr>
-          <a:xfrm>
-            <a:off x="10069722" y="5946115"/>
-            <a:ext cx="1843537" cy="716712"/>
-          </a:xfrm>
-          <a:prstGeom prst="rect">
-            <a:avLst/>
-          </a:prstGeom>
-        </p:spPr>
-      </p:pic>
       <p:sp>
         <p:nvSpPr>
           <p:cNvPr id="6" name="Title 1">
             <a:extLst>
               <a:ext uri="{FF2B5EF4-FFF2-40B4-BE49-F238E27FC236}">
-                <a16:creationId xmlns:a16="http://schemas.microsoft.com/office/drawing/2014/main" id="{0C8B83F5-E3B0-ADC6-35DF-75DAE80AF5F5}"/>
+                <a16:creationId xmlns:a16="http://schemas.microsoft.com/office/drawing/2014/main" id="{EEE4CBC7-0226-C173-BA1E-698A6520139D}"/>
               </a:ext>
             </a:extLst>
           </p:cNvPr>
@@ -8868,7 +8903,7 @@
           <p:cNvPr id="2" name="Title 1">
             <a:extLst>
               <a:ext uri="{FF2B5EF4-FFF2-40B4-BE49-F238E27FC236}">
-                <a16:creationId xmlns:a16="http://schemas.microsoft.com/office/drawing/2014/main" id="{3A62C0AB-4FE4-167F-06BC-C0572DCB8B90}"/>
+                <a16:creationId xmlns:a16="http://schemas.microsoft.com/office/drawing/2014/main" id="{6E3FEA40-81C4-382F-BBA0-7AEAC3D71C10}"/>
               </a:ext>
             </a:extLst>
           </p:cNvPr>
@@ -8881,8 +8916,8 @@
         </p:nvSpPr>
         <p:spPr>
           <a:xfrm>
-            <a:off x="838200" y="76489"/>
-            <a:ext cx="10515600" cy="1036928"/>
+            <a:off x="838200" y="93807"/>
+            <a:ext cx="10515600" cy="1325563"/>
           </a:xfrm>
         </p:spPr>
         <p:txBody>
@@ -8893,62 +8928,92 @@
           <a:p>
             <a:pPr algn="ctr"/>
             <a:r>
-              <a:rPr lang="it-IT" sz="4000">
+              <a:rPr lang="en-US" sz="4000" err="1">
                 <a:latin typeface="Congenial"/>
                 <a:cs typeface="Calibri Light"/>
               </a:rPr>
-              <a:t>Esempio (</a:t>
-            </a:r>
-            <a:r>
-              <a:rPr lang="it-IT" sz="4000" err="1">
+              <a:t>TypeORM</a:t>
+            </a:r>
+            <a:r>
+              <a:rPr lang="en-US">
                 <a:latin typeface="Congenial"/>
                 <a:cs typeface="Calibri Light"/>
               </a:rPr>
-              <a:t>TypeORM</a:t>
-            </a:r>
-            <a:r>
-              <a:rPr lang="it-IT" sz="4000">
-                <a:latin typeface="Congenial"/>
-                <a:cs typeface="Calibri Light"/>
-              </a:rPr>
-              <a:t> + Express + PG)</a:t>
+              <a:t>: relations</a:t>
             </a:r>
           </a:p>
         </p:txBody>
       </p:sp>
       <p:pic>
         <p:nvPicPr>
-          <p:cNvPr id="11" name="Content Placeholder 10" descr="A screen shot of a computer program&#10;&#10;Description automatically generated">
-            <a:extLst>
-              <a:ext uri="{FF2B5EF4-FFF2-40B4-BE49-F238E27FC236}">
-                <a16:creationId xmlns:a16="http://schemas.microsoft.com/office/drawing/2014/main" id="{7A79188F-881F-AEC9-55B4-3D80502DFDCA}"/>
+          <p:cNvPr id="13" name="Picture 12" descr="A screenshot of a computer program&#10;&#10;Description automatically generated">
+            <a:extLst>
+              <a:ext uri="{FF2B5EF4-FFF2-40B4-BE49-F238E27FC236}">
+                <a16:creationId xmlns:a16="http://schemas.microsoft.com/office/drawing/2014/main" id="{3B236988-08D6-92CA-4A93-33D30827F74A}"/>
               </a:ext>
             </a:extLst>
           </p:cNvPr>
           <p:cNvPicPr>
-            <a:picLocks noGrp="1" noChangeAspect="1"/>
+            <a:picLocks noChangeAspect="1"/>
           </p:cNvPicPr>
-          <p:nvPr>
-            <p:ph idx="1"/>
-          </p:nvPr>
+          <p:nvPr/>
         </p:nvPicPr>
         <p:blipFill>
-          <a:blip r:embed="rId6"/>
+          <a:blip r:embed="rId4"/>
           <a:stretch>
             <a:fillRect/>
           </a:stretch>
         </p:blipFill>
         <p:spPr>
           <a:xfrm>
-            <a:off x="2066942" y="1004093"/>
-            <a:ext cx="8058115" cy="4952603"/>
-          </a:xfrm>
+            <a:off x="485775" y="1093802"/>
+            <a:ext cx="11226402" cy="4968053"/>
+          </a:xfrm>
+          <a:prstGeom prst="rect">
+            <a:avLst/>
+          </a:prstGeom>
+        </p:spPr>
+      </p:pic>
+      <p:pic>
+        <p:nvPicPr>
+          <p:cNvPr id="5" name="Graphic 4">
+            <a:extLst>
+              <a:ext uri="{FF2B5EF4-FFF2-40B4-BE49-F238E27FC236}">
+                <a16:creationId xmlns:a16="http://schemas.microsoft.com/office/drawing/2014/main" id="{4D8757A8-338E-80FD-DB86-D3583EF401D4}"/>
+              </a:ext>
+            </a:extLst>
+          </p:cNvPr>
+          <p:cNvPicPr>
+            <a:picLocks noChangeAspect="1"/>
+          </p:cNvPicPr>
+          <p:nvPr/>
+        </p:nvPicPr>
+        <p:blipFill>
+          <a:blip r:embed="rId5">
+            <a:extLst>
+              <a:ext uri="{96DAC541-7B7A-43D3-8B79-37D633B846F1}">
+                <asvg:svgBlip xmlns:asvg="http://schemas.microsoft.com/office/drawing/2016/SVG/main" r:embed="rId6"/>
+              </a:ext>
+            </a:extLst>
+          </a:blip>
+          <a:stretch>
+            <a:fillRect/>
+          </a:stretch>
+        </p:blipFill>
+        <p:spPr>
+          <a:xfrm>
+            <a:off x="10069722" y="5946115"/>
+            <a:ext cx="1843537" cy="716712"/>
+          </a:xfrm>
+          <a:prstGeom prst="rect">
+            <a:avLst/>
+          </a:prstGeom>
         </p:spPr>
       </p:pic>
     </p:spTree>
     <p:extLst>
       <p:ext uri="{BB962C8B-B14F-4D97-AF65-F5344CB8AC3E}">
-        <p14:creationId xmlns:p14="http://schemas.microsoft.com/office/powerpoint/2010/main" val="3510856989"/>
+        <p14:creationId xmlns:p14="http://schemas.microsoft.com/office/powerpoint/2010/main" val="1509326529"/>
       </p:ext>
     </p:extLst>
   </p:cSld>
@@ -8980,7 +9045,7 @@
           <p:cNvPr id="9" name="Graphic 8" descr="An organic corner shape">
             <a:extLst>
               <a:ext uri="{FF2B5EF4-FFF2-40B4-BE49-F238E27FC236}">
-                <a16:creationId xmlns:a16="http://schemas.microsoft.com/office/drawing/2014/main" id="{4BA7C8F6-78ED-7713-E45E-C670C3518CA7}"/>
+                <a16:creationId xmlns:a16="http://schemas.microsoft.com/office/drawing/2014/main" id="{73BBF962-9559-5558-3D9B-113A5E08E2D7}"/>
               </a:ext>
             </a:extLst>
           </p:cNvPr>
@@ -9016,7 +9081,7 @@
           <p:cNvPr id="5" name="Graphic 4">
             <a:extLst>
               <a:ext uri="{FF2B5EF4-FFF2-40B4-BE49-F238E27FC236}">
-                <a16:creationId xmlns:a16="http://schemas.microsoft.com/office/drawing/2014/main" id="{04F19640-37C4-A8D3-9443-47CEB73E21AE}"/>
+                <a16:creationId xmlns:a16="http://schemas.microsoft.com/office/drawing/2014/main" id="{062DC8EA-B860-4580-60A1-657DD0537884}"/>
               </a:ext>
             </a:extLst>
           </p:cNvPr>
@@ -9052,7 +9117,7 @@
           <p:cNvPr id="6" name="Title 1">
             <a:extLst>
               <a:ext uri="{FF2B5EF4-FFF2-40B4-BE49-F238E27FC236}">
-                <a16:creationId xmlns:a16="http://schemas.microsoft.com/office/drawing/2014/main" id="{668056E1-E668-02B9-A02F-33814E98F3FC}"/>
+                <a16:creationId xmlns:a16="http://schemas.microsoft.com/office/drawing/2014/main" id="{0C8B83F5-E3B0-ADC6-35DF-75DAE80AF5F5}"/>
               </a:ext>
             </a:extLst>
           </p:cNvPr>
@@ -9110,7 +9175,7 @@
           <p:cNvPr id="2" name="Title 1">
             <a:extLst>
               <a:ext uri="{FF2B5EF4-FFF2-40B4-BE49-F238E27FC236}">
-                <a16:creationId xmlns:a16="http://schemas.microsoft.com/office/drawing/2014/main" id="{7EDA884E-5B4F-BC95-3336-65152ACBFDC1}"/>
+                <a16:creationId xmlns:a16="http://schemas.microsoft.com/office/drawing/2014/main" id="{3A62C0AB-4FE4-167F-06BC-C0572DCB8B90}"/>
               </a:ext>
             </a:extLst>
           </p:cNvPr>
@@ -9123,8 +9188,8 @@
         </p:nvSpPr>
         <p:spPr>
           <a:xfrm>
-            <a:off x="838200" y="197037"/>
-            <a:ext cx="10515600" cy="1198563"/>
+            <a:off x="838200" y="76489"/>
+            <a:ext cx="10515600" cy="1036928"/>
           </a:xfrm>
         </p:spPr>
         <p:txBody>
@@ -9139,166 +9204,58 @@
                 <a:latin typeface="Congenial"/>
                 <a:cs typeface="Calibri Light"/>
               </a:rPr>
-              <a:t>Altro di interessante?</a:t>
-            </a:r>
-          </a:p>
-        </p:txBody>
-      </p:sp>
-      <p:sp>
-        <p:nvSpPr>
-          <p:cNvPr id="7" name="Content Placeholder 2">
-            <a:extLst>
-              <a:ext uri="{FF2B5EF4-FFF2-40B4-BE49-F238E27FC236}">
-                <a16:creationId xmlns:a16="http://schemas.microsoft.com/office/drawing/2014/main" id="{02CB7344-C497-BFAE-B5A2-80ABD62BFAB4}"/>
-              </a:ext>
-            </a:extLst>
-          </p:cNvPr>
-          <p:cNvSpPr>
-            <a:spLocks noGrp="1"/>
-          </p:cNvSpPr>
+              <a:t>Esempio (</a:t>
+            </a:r>
+            <a:r>
+              <a:rPr lang="it-IT" sz="4000" err="1">
+                <a:latin typeface="Congenial"/>
+                <a:cs typeface="Calibri Light"/>
+              </a:rPr>
+              <a:t>TypeORM</a:t>
+            </a:r>
+            <a:r>
+              <a:rPr lang="it-IT" sz="4000">
+                <a:latin typeface="Congenial"/>
+                <a:cs typeface="Calibri Light"/>
+              </a:rPr>
+              <a:t> + Express + PG)</a:t>
+            </a:r>
+          </a:p>
+        </p:txBody>
+      </p:sp>
+      <p:pic>
+        <p:nvPicPr>
+          <p:cNvPr id="11" name="Content Placeholder 10" descr="A screen shot of a computer program&#10;&#10;Description automatically generated">
+            <a:extLst>
+              <a:ext uri="{FF2B5EF4-FFF2-40B4-BE49-F238E27FC236}">
+                <a16:creationId xmlns:a16="http://schemas.microsoft.com/office/drawing/2014/main" id="{7A79188F-881F-AEC9-55B4-3D80502DFDCA}"/>
+              </a:ext>
+            </a:extLst>
+          </p:cNvPr>
+          <p:cNvPicPr>
+            <a:picLocks noGrp="1" noChangeAspect="1"/>
+          </p:cNvPicPr>
           <p:nvPr>
             <p:ph idx="1"/>
           </p:nvPr>
-        </p:nvSpPr>
-        <p:spPr>
-          <a:xfrm>
-            <a:off x="2290860" y="1639085"/>
-            <a:ext cx="7608085" cy="3857671"/>
-          </a:xfrm>
-        </p:spPr>
-        <p:txBody>
-          <a:bodyPr vert="horz" lIns="91440" tIns="45720" rIns="91440" bIns="45720" rtlCol="0" anchor="t">
-            <a:normAutofit lnSpcReduction="10000"/>
-          </a:bodyPr>
-          <a:lstStyle/>
-          <a:p>
-            <a:r>
-              <a:rPr lang="en-GB"/>
-              <a:t>Custom repositories</a:t>
-            </a:r>
-          </a:p>
-          <a:p>
-            <a:r>
-              <a:rPr lang="en-GB"/>
-              <a:t>Active record custom functions</a:t>
-            </a:r>
-            <a:endParaRPr lang="en-GB">
-              <a:ea typeface="Calibri"/>
-              <a:cs typeface="Calibri"/>
-            </a:endParaRPr>
-          </a:p>
-          <a:p>
-            <a:r>
-              <a:rPr lang="en-GB"/>
-              <a:t>Transactions</a:t>
-            </a:r>
-            <a:endParaRPr lang="en-GB" b="1">
-              <a:ea typeface="Calibri"/>
-              <a:cs typeface="Calibri"/>
-            </a:endParaRPr>
-          </a:p>
-          <a:p>
-            <a:r>
-              <a:rPr lang="en-GB"/>
-              <a:t>Multiple data sources, databases, schemas</a:t>
-            </a:r>
-            <a:endParaRPr lang="en-GB">
-              <a:ea typeface="Calibri"/>
-              <a:cs typeface="Calibri"/>
-            </a:endParaRPr>
-          </a:p>
-          <a:p>
-            <a:r>
-              <a:rPr lang="en-GB"/>
-              <a:t>Subscriber and listener</a:t>
-            </a:r>
-            <a:endParaRPr lang="en-GB">
-              <a:ea typeface="Calibri"/>
-              <a:cs typeface="Calibri"/>
-            </a:endParaRPr>
-          </a:p>
-          <a:p>
-            <a:r>
-              <a:rPr lang="en-GB"/>
-              <a:t>Migrations</a:t>
-            </a:r>
-            <a:endParaRPr lang="en-GB">
-              <a:ea typeface="Calibri"/>
-              <a:cs typeface="Calibri"/>
-            </a:endParaRPr>
-          </a:p>
-          <a:p>
-            <a:r>
-              <a:rPr lang="en-GB"/>
-              <a:t>Hidden columns (es password)</a:t>
-            </a:r>
-            <a:endParaRPr lang="en-GB">
-              <a:ea typeface="Calibri"/>
-              <a:cs typeface="Calibri"/>
-            </a:endParaRPr>
-          </a:p>
-          <a:p>
-            <a:r>
-              <a:rPr lang="en-GB"/>
-              <a:t>Caching queries (</a:t>
-            </a:r>
-            <a:r>
-              <a:rPr lang="en-GB" err="1"/>
-              <a:t>QueryBuilder</a:t>
-            </a:r>
-            <a:r>
-              <a:rPr lang="en-GB"/>
-              <a:t> e </a:t>
-            </a:r>
-            <a:r>
-              <a:rPr lang="en-GB" err="1"/>
-              <a:t>EntityManager</a:t>
-            </a:r>
-            <a:r>
-              <a:rPr lang="en-GB"/>
-              <a:t>)</a:t>
-            </a:r>
-            <a:endParaRPr lang="en-GB">
-              <a:ea typeface="Calibri"/>
-              <a:cs typeface="Calibri"/>
-            </a:endParaRPr>
-          </a:p>
-          <a:p>
-            <a:endParaRPr lang="en-GB">
-              <a:ea typeface="Calibri"/>
-              <a:cs typeface="Calibri"/>
-            </a:endParaRPr>
-          </a:p>
-          <a:p>
-            <a:endParaRPr lang="en-GB">
-              <a:ea typeface="Calibri"/>
-              <a:cs typeface="Calibri"/>
-            </a:endParaRPr>
-          </a:p>
-          <a:p>
-            <a:endParaRPr lang="en-GB">
-              <a:ea typeface="Calibri"/>
-              <a:cs typeface="Calibri"/>
-            </a:endParaRPr>
-          </a:p>
-          <a:p>
-            <a:endParaRPr lang="en-GB">
-              <a:ea typeface="Calibri"/>
-              <a:cs typeface="Calibri"/>
-            </a:endParaRPr>
-          </a:p>
-          <a:p>
-            <a:endParaRPr lang="en-GB">
-              <a:ea typeface="Calibri"/>
-              <a:cs typeface="Calibri"/>
-            </a:endParaRPr>
-          </a:p>
-        </p:txBody>
-      </p:sp>
+        </p:nvPicPr>
+        <p:blipFill>
+          <a:blip r:embed="rId6"/>
+          <a:stretch>
+            <a:fillRect/>
+          </a:stretch>
+        </p:blipFill>
+        <p:spPr>
+          <a:xfrm>
+            <a:off x="2066942" y="1004093"/>
+            <a:ext cx="8058115" cy="4952603"/>
+          </a:xfrm>
+        </p:spPr>
+      </p:pic>
     </p:spTree>
     <p:extLst>
       <p:ext uri="{BB962C8B-B14F-4D97-AF65-F5344CB8AC3E}">
-        <p14:creationId xmlns:p14="http://schemas.microsoft.com/office/powerpoint/2010/main" val="3061852559"/>
+        <p14:creationId xmlns:p14="http://schemas.microsoft.com/office/powerpoint/2010/main" val="3510856989"/>
       </p:ext>
     </p:extLst>
   </p:cSld>
@@ -9330,7 +9287,7 @@
           <p:cNvPr id="9" name="Graphic 8" descr="An organic corner shape">
             <a:extLst>
               <a:ext uri="{FF2B5EF4-FFF2-40B4-BE49-F238E27FC236}">
-                <a16:creationId xmlns:a16="http://schemas.microsoft.com/office/drawing/2014/main" id="{3D79C294-1DA3-E6C2-2212-FAA011A189A8}"/>
+                <a16:creationId xmlns:a16="http://schemas.microsoft.com/office/drawing/2014/main" id="{4BA7C8F6-78ED-7713-E45E-C670C3518CA7}"/>
               </a:ext>
             </a:extLst>
           </p:cNvPr>
@@ -9366,7 +9323,7 @@
           <p:cNvPr id="5" name="Graphic 4">
             <a:extLst>
               <a:ext uri="{FF2B5EF4-FFF2-40B4-BE49-F238E27FC236}">
-                <a16:creationId xmlns:a16="http://schemas.microsoft.com/office/drawing/2014/main" id="{58F64612-1A35-E919-BEAF-4B8144352B19}"/>
+                <a16:creationId xmlns:a16="http://schemas.microsoft.com/office/drawing/2014/main" id="{04F19640-37C4-A8D3-9443-47CEB73E21AE}"/>
               </a:ext>
             </a:extLst>
           </p:cNvPr>
@@ -9402,7 +9359,7 @@
           <p:cNvPr id="6" name="Title 1">
             <a:extLst>
               <a:ext uri="{FF2B5EF4-FFF2-40B4-BE49-F238E27FC236}">
-                <a16:creationId xmlns:a16="http://schemas.microsoft.com/office/drawing/2014/main" id="{68120C5C-1E5E-25CC-D53C-0BE8C300798A}"/>
+                <a16:creationId xmlns:a16="http://schemas.microsoft.com/office/drawing/2014/main" id="{668056E1-E668-02B9-A02F-33814E98F3FC}"/>
               </a:ext>
             </a:extLst>
           </p:cNvPr>
@@ -9457,174 +9414,10 @@
       </p:sp>
       <p:sp>
         <p:nvSpPr>
-          <p:cNvPr id="3" name="Content Placeholder 2">
-            <a:extLst>
-              <a:ext uri="{FF2B5EF4-FFF2-40B4-BE49-F238E27FC236}">
-                <a16:creationId xmlns:a16="http://schemas.microsoft.com/office/drawing/2014/main" id="{317FF265-4C05-91A3-952B-C75B3C6AB061}"/>
-              </a:ext>
-            </a:extLst>
-          </p:cNvPr>
-          <p:cNvSpPr>
-            <a:spLocks noGrp="1"/>
-          </p:cNvSpPr>
-          <p:nvPr>
-            <p:ph idx="1"/>
-          </p:nvPr>
-        </p:nvSpPr>
-        <p:spPr>
-          <a:xfrm>
-            <a:off x="838200" y="1428795"/>
-            <a:ext cx="10515600" cy="4684229"/>
-          </a:xfrm>
-        </p:spPr>
-        <p:txBody>
-          <a:bodyPr vert="horz" lIns="91440" tIns="45720" rIns="91440" bIns="45720" rtlCol="0" anchor="t">
-            <a:noAutofit/>
-          </a:bodyPr>
-          <a:lstStyle/>
-          <a:p>
-            <a:pPr marL="0" indent="0">
-              <a:buNone/>
-            </a:pPr>
-            <a:r>
-              <a:rPr lang="it-IT"/>
-              <a:t>Partendo dalle nostre esigenze, abbiamo iniziato a sviluppare un </a:t>
-            </a:r>
-            <a:r>
-              <a:rPr lang="it-IT" err="1"/>
-              <a:t>backend</a:t>
-            </a:r>
-            <a:r>
-              <a:rPr lang="it-IT"/>
-              <a:t> basato su </a:t>
-            </a:r>
-            <a:r>
-              <a:rPr lang="it-IT" err="1"/>
-              <a:t>Fastify</a:t>
-            </a:r>
-            <a:r>
-              <a:rPr lang="it-IT"/>
-              <a:t> e </a:t>
-            </a:r>
-            <a:r>
-              <a:rPr lang="it-IT" err="1"/>
-              <a:t>TypeORM</a:t>
-            </a:r>
-            <a:r>
-              <a:rPr lang="it-IT"/>
-              <a:t>. L'obiettivo principale è fornire delle funzionalità pratiche: </a:t>
-            </a:r>
-            <a:r>
-              <a:rPr lang="it-IT" err="1"/>
-              <a:t>routing</a:t>
-            </a:r>
-            <a:r>
-              <a:rPr lang="it-IT"/>
-              <a:t>, validazione dati, gestione entità, meccanismi di </a:t>
-            </a:r>
-            <a:r>
-              <a:rPr lang="it-IT" err="1"/>
-              <a:t>auth</a:t>
-            </a:r>
-            <a:r>
-              <a:rPr lang="it-IT"/>
-              <a:t>/</a:t>
-            </a:r>
-            <a:r>
-              <a:rPr lang="it-IT" err="1"/>
-              <a:t>auth</a:t>
-            </a:r>
-            <a:r>
-              <a:rPr lang="it-IT"/>
-              <a:t>, ruoli, middlewares, hooks, </a:t>
-            </a:r>
-            <a:r>
-              <a:rPr lang="it-IT" err="1"/>
-              <a:t>Swagger</a:t>
-            </a:r>
-            <a:r>
-              <a:rPr lang="it-IT"/>
-              <a:t>/OAS ...</a:t>
-            </a:r>
-            <a:br>
-              <a:rPr lang="it-IT"/>
-            </a:br>
-            <a:br>
-              <a:rPr lang="it-IT"/>
-            </a:br>
-            <a:r>
-              <a:rPr lang="it-IT"/>
-              <a:t>Progetto di esempio</a:t>
-            </a:r>
-            <a:br>
-              <a:rPr lang="it-IT"/>
-            </a:br>
-            <a:r>
-              <a:rPr lang="it-IT">
-                <a:hlinkClick r:id="rId6"/>
-              </a:rPr>
-              <a:t>https://github.com/volcanicminds/volcanic-backend-sample</a:t>
-            </a:r>
-            <a:endParaRPr lang="it-IT">
-              <a:ea typeface="Calibri"/>
-              <a:cs typeface="Calibri"/>
-            </a:endParaRPr>
-          </a:p>
-          <a:p>
-            <a:pPr marL="0" indent="0">
-              <a:buNone/>
-            </a:pPr>
-            <a:br>
-              <a:rPr lang="en-US"/>
-            </a:br>
-            <a:r>
-              <a:rPr lang="it-IT">
-                <a:ea typeface="Calibri"/>
-                <a:cs typeface="Calibri"/>
-              </a:rPr>
-              <a:t>NPM (licenza MIT)</a:t>
-            </a:r>
-            <a:br>
-              <a:rPr lang="it-IT">
-                <a:ea typeface="Calibri"/>
-                <a:cs typeface="Calibri"/>
-              </a:rPr>
-            </a:br>
-            <a:r>
-              <a:rPr lang="it-IT">
-                <a:ea typeface="+mn-lt"/>
-                <a:cs typeface="+mn-lt"/>
-                <a:hlinkClick r:id="rId7"/>
-              </a:rPr>
-              <a:t>https://www.npmjs.com/package/@volcanicminds/backend</a:t>
-            </a:r>
-            <a:br>
-              <a:rPr lang="it-IT">
-                <a:ea typeface="+mn-lt"/>
-                <a:cs typeface="+mn-lt"/>
-              </a:rPr>
-            </a:br>
-            <a:r>
-              <a:rPr lang="it-IT">
-                <a:ea typeface="+mn-lt"/>
-                <a:cs typeface="+mn-lt"/>
-                <a:hlinkClick r:id="rId8"/>
-              </a:rPr>
-              <a:t>https://www.npmjs.com/package/@volcanicminds/typeorm</a:t>
-            </a:r>
-            <a:endParaRPr lang="it-IT">
-              <a:ea typeface="Calibri"/>
-              <a:cs typeface="Calibri"/>
-            </a:endParaRPr>
-          </a:p>
-        </p:txBody>
-      </p:sp>
-      <p:sp>
-        <p:nvSpPr>
           <p:cNvPr id="2" name="Title 1">
             <a:extLst>
               <a:ext uri="{FF2B5EF4-FFF2-40B4-BE49-F238E27FC236}">
-                <a16:creationId xmlns:a16="http://schemas.microsoft.com/office/drawing/2014/main" id="{878DAFF1-97B1-DE80-3ABB-4981E17220C1}"/>
+                <a16:creationId xmlns:a16="http://schemas.microsoft.com/office/drawing/2014/main" id="{7EDA884E-5B4F-BC95-3336-65152ACBFDC1}"/>
               </a:ext>
             </a:extLst>
           </p:cNvPr>
@@ -9637,8 +9430,8 @@
         </p:nvSpPr>
         <p:spPr>
           <a:xfrm>
-            <a:off x="838200" y="196535"/>
-            <a:ext cx="10515600" cy="1325563"/>
+            <a:off x="838200" y="197037"/>
+            <a:ext cx="10515600" cy="1198563"/>
           </a:xfrm>
         </p:spPr>
         <p:txBody>
@@ -9653,36 +9446,166 @@
                 <a:latin typeface="Congenial"/>
                 <a:cs typeface="Calibri Light"/>
               </a:rPr>
-              <a:t>Uno </a:t>
-            </a:r>
-            <a:r>
-              <a:rPr lang="it-IT" sz="4000" err="1">
-                <a:latin typeface="Congenial"/>
-                <a:cs typeface="Calibri Light"/>
-              </a:rPr>
-              <a:t>stack</a:t>
-            </a:r>
-            <a:r>
-              <a:rPr lang="it-IT" sz="4000">
-                <a:latin typeface="Congenial"/>
-                <a:cs typeface="Calibri Light"/>
-              </a:rPr>
-              <a:t> </a:t>
-            </a:r>
-            <a:r>
-              <a:rPr lang="it-IT" sz="4000" err="1">
-                <a:latin typeface="Congenial"/>
-                <a:cs typeface="Calibri Light"/>
-              </a:rPr>
-              <a:t>backend</a:t>
-            </a:r>
+              <a:t>Altro di interessante?</a:t>
+            </a:r>
+          </a:p>
+        </p:txBody>
+      </p:sp>
+      <p:sp>
+        <p:nvSpPr>
+          <p:cNvPr id="7" name="Content Placeholder 2">
+            <a:extLst>
+              <a:ext uri="{FF2B5EF4-FFF2-40B4-BE49-F238E27FC236}">
+                <a16:creationId xmlns:a16="http://schemas.microsoft.com/office/drawing/2014/main" id="{02CB7344-C497-BFAE-B5A2-80ABD62BFAB4}"/>
+              </a:ext>
+            </a:extLst>
+          </p:cNvPr>
+          <p:cNvSpPr>
+            <a:spLocks noGrp="1"/>
+          </p:cNvSpPr>
+          <p:nvPr>
+            <p:ph idx="1"/>
+          </p:nvPr>
+        </p:nvSpPr>
+        <p:spPr>
+          <a:xfrm>
+            <a:off x="2290860" y="1639085"/>
+            <a:ext cx="7608085" cy="3857671"/>
+          </a:xfrm>
+        </p:spPr>
+        <p:txBody>
+          <a:bodyPr vert="horz" lIns="91440" tIns="45720" rIns="91440" bIns="45720" rtlCol="0" anchor="t">
+            <a:normAutofit lnSpcReduction="10000"/>
+          </a:bodyPr>
+          <a:lstStyle/>
+          <a:p>
+            <a:r>
+              <a:rPr lang="en-GB"/>
+              <a:t>Custom repositories</a:t>
+            </a:r>
+          </a:p>
+          <a:p>
+            <a:r>
+              <a:rPr lang="en-GB"/>
+              <a:t>Active record custom functions</a:t>
+            </a:r>
+            <a:endParaRPr lang="en-GB">
+              <a:ea typeface="Calibri"/>
+              <a:cs typeface="Calibri"/>
+            </a:endParaRPr>
+          </a:p>
+          <a:p>
+            <a:r>
+              <a:rPr lang="en-GB"/>
+              <a:t>Transactions</a:t>
+            </a:r>
+            <a:endParaRPr lang="en-GB" b="1">
+              <a:ea typeface="Calibri"/>
+              <a:cs typeface="Calibri"/>
+            </a:endParaRPr>
+          </a:p>
+          <a:p>
+            <a:r>
+              <a:rPr lang="en-GB"/>
+              <a:t>Multiple data sources, databases, schemas</a:t>
+            </a:r>
+            <a:endParaRPr lang="en-GB">
+              <a:ea typeface="Calibri"/>
+              <a:cs typeface="Calibri"/>
+            </a:endParaRPr>
+          </a:p>
+          <a:p>
+            <a:r>
+              <a:rPr lang="en-GB"/>
+              <a:t>Subscriber and listener</a:t>
+            </a:r>
+            <a:endParaRPr lang="en-GB">
+              <a:ea typeface="Calibri"/>
+              <a:cs typeface="Calibri"/>
+            </a:endParaRPr>
+          </a:p>
+          <a:p>
+            <a:r>
+              <a:rPr lang="en-GB"/>
+              <a:t>Migrations</a:t>
+            </a:r>
+            <a:endParaRPr lang="en-GB">
+              <a:ea typeface="Calibri"/>
+              <a:cs typeface="Calibri"/>
+            </a:endParaRPr>
+          </a:p>
+          <a:p>
+            <a:r>
+              <a:rPr lang="en-GB"/>
+              <a:t>Hidden columns (es password)</a:t>
+            </a:r>
+            <a:endParaRPr lang="en-GB">
+              <a:ea typeface="Calibri"/>
+              <a:cs typeface="Calibri"/>
+            </a:endParaRPr>
+          </a:p>
+          <a:p>
+            <a:r>
+              <a:rPr lang="en-GB"/>
+              <a:t>Caching queries (</a:t>
+            </a:r>
+            <a:r>
+              <a:rPr lang="en-GB" err="1"/>
+              <a:t>QueryBuilder</a:t>
+            </a:r>
+            <a:r>
+              <a:rPr lang="en-GB"/>
+              <a:t> e </a:t>
+            </a:r>
+            <a:r>
+              <a:rPr lang="en-GB" err="1"/>
+              <a:t>EntityManager</a:t>
+            </a:r>
+            <a:r>
+              <a:rPr lang="en-GB"/>
+              <a:t>)</a:t>
+            </a:r>
+            <a:endParaRPr lang="en-GB">
+              <a:ea typeface="Calibri"/>
+              <a:cs typeface="Calibri"/>
+            </a:endParaRPr>
+          </a:p>
+          <a:p>
+            <a:endParaRPr lang="en-GB">
+              <a:ea typeface="Calibri"/>
+              <a:cs typeface="Calibri"/>
+            </a:endParaRPr>
+          </a:p>
+          <a:p>
+            <a:endParaRPr lang="en-GB">
+              <a:ea typeface="Calibri"/>
+              <a:cs typeface="Calibri"/>
+            </a:endParaRPr>
+          </a:p>
+          <a:p>
+            <a:endParaRPr lang="en-GB">
+              <a:ea typeface="Calibri"/>
+              <a:cs typeface="Calibri"/>
+            </a:endParaRPr>
+          </a:p>
+          <a:p>
+            <a:endParaRPr lang="en-GB">
+              <a:ea typeface="Calibri"/>
+              <a:cs typeface="Calibri"/>
+            </a:endParaRPr>
+          </a:p>
+          <a:p>
+            <a:endParaRPr lang="en-GB">
+              <a:ea typeface="Calibri"/>
+              <a:cs typeface="Calibri"/>
+            </a:endParaRPr>
           </a:p>
         </p:txBody>
       </p:sp>
     </p:spTree>
     <p:extLst>
       <p:ext uri="{BB962C8B-B14F-4D97-AF65-F5344CB8AC3E}">
-        <p14:creationId xmlns:p14="http://schemas.microsoft.com/office/powerpoint/2010/main" val="1205725327"/>
+        <p14:creationId xmlns:p14="http://schemas.microsoft.com/office/powerpoint/2010/main" val="3061852559"/>
       </p:ext>
     </p:extLst>
   </p:cSld>
@@ -9841,6 +9764,186 @@
       </p:sp>
       <p:sp>
         <p:nvSpPr>
+          <p:cNvPr id="3" name="Content Placeholder 2">
+            <a:extLst>
+              <a:ext uri="{FF2B5EF4-FFF2-40B4-BE49-F238E27FC236}">
+                <a16:creationId xmlns:a16="http://schemas.microsoft.com/office/drawing/2014/main" id="{317FF265-4C05-91A3-952B-C75B3C6AB061}"/>
+              </a:ext>
+            </a:extLst>
+          </p:cNvPr>
+          <p:cNvSpPr>
+            <a:spLocks noGrp="1"/>
+          </p:cNvSpPr>
+          <p:nvPr>
+            <p:ph idx="1"/>
+          </p:nvPr>
+        </p:nvSpPr>
+        <p:spPr>
+          <a:xfrm>
+            <a:off x="838200" y="1428795"/>
+            <a:ext cx="10515600" cy="4684229"/>
+          </a:xfrm>
+        </p:spPr>
+        <p:txBody>
+          <a:bodyPr vert="horz" lIns="91440" tIns="45720" rIns="91440" bIns="45720" rtlCol="0" anchor="t">
+            <a:noAutofit/>
+          </a:bodyPr>
+          <a:lstStyle/>
+          <a:p>
+            <a:pPr marL="0" indent="0">
+              <a:buNone/>
+            </a:pPr>
+            <a:r>
+              <a:rPr lang="it-IT" dirty="0"/>
+              <a:t>Partendo dalle nostre esigenze, stiamo sviluppando un </a:t>
+            </a:r>
+            <a:r>
+              <a:rPr lang="it-IT" dirty="0" err="1"/>
+              <a:t>backend</a:t>
+            </a:r>
+            <a:r>
+              <a:rPr lang="it-IT" dirty="0"/>
+              <a:t> basato su </a:t>
+            </a:r>
+            <a:r>
+              <a:rPr lang="it-IT" dirty="0" err="1"/>
+              <a:t>Fastify</a:t>
+            </a:r>
+            <a:r>
+              <a:rPr lang="it-IT" dirty="0"/>
+              <a:t> e </a:t>
+            </a:r>
+            <a:r>
+              <a:rPr lang="it-IT" dirty="0" err="1"/>
+              <a:t>TypeORM</a:t>
+            </a:r>
+            <a:r>
+              <a:rPr lang="it-IT" dirty="0"/>
+              <a:t>. L'obiettivo principale è fornire delle funzionalità pratiche: </a:t>
+            </a:r>
+            <a:r>
+              <a:rPr lang="it-IT" dirty="0" err="1"/>
+              <a:t>routing</a:t>
+            </a:r>
+            <a:r>
+              <a:rPr lang="it-IT" dirty="0"/>
+              <a:t>, validazione dati, gestione </a:t>
+            </a:r>
+            <a:r>
+              <a:rPr lang="it-IT" dirty="0" err="1"/>
+              <a:t>entity</a:t>
+            </a:r>
+            <a:r>
+              <a:rPr lang="it-IT" dirty="0"/>
+              <a:t>, meccanismi di </a:t>
+            </a:r>
+            <a:r>
+              <a:rPr lang="it-IT" dirty="0" err="1"/>
+              <a:t>auth</a:t>
+            </a:r>
+            <a:r>
+              <a:rPr lang="it-IT" dirty="0"/>
+              <a:t>/</a:t>
+            </a:r>
+            <a:r>
+              <a:rPr lang="it-IT" dirty="0" err="1"/>
+              <a:t>auth</a:t>
+            </a:r>
+            <a:r>
+              <a:rPr lang="it-IT" dirty="0"/>
+              <a:t>, </a:t>
+            </a:r>
+            <a:r>
+              <a:rPr lang="it-IT" dirty="0" err="1"/>
+              <a:t>role</a:t>
+            </a:r>
+            <a:r>
+              <a:rPr lang="it-IT" dirty="0"/>
+              <a:t>, middleware, hook, </a:t>
+            </a:r>
+            <a:r>
+              <a:rPr lang="it-IT" dirty="0" err="1"/>
+              <a:t>Swagger</a:t>
+            </a:r>
+            <a:r>
+              <a:rPr lang="it-IT" dirty="0"/>
+              <a:t>/OAS ...</a:t>
+            </a:r>
+            <a:br>
+              <a:rPr lang="it-IT" dirty="0"/>
+            </a:br>
+            <a:br>
+              <a:rPr lang="it-IT" dirty="0"/>
+            </a:br>
+            <a:r>
+              <a:rPr lang="it-IT" dirty="0"/>
+              <a:t>Progetto di esempio</a:t>
+            </a:r>
+            <a:br>
+              <a:rPr lang="it-IT" dirty="0"/>
+            </a:br>
+            <a:r>
+              <a:rPr lang="it-IT" dirty="0">
+                <a:hlinkClick r:id="rId6"/>
+              </a:rPr>
+              <a:t>https://github.com/volcanicminds/volcanic-backend-sample</a:t>
+            </a:r>
+            <a:endParaRPr lang="it-IT" dirty="0">
+              <a:ea typeface="Calibri"/>
+              <a:cs typeface="Calibri"/>
+            </a:endParaRPr>
+          </a:p>
+          <a:p>
+            <a:pPr marL="0" indent="0">
+              <a:buNone/>
+            </a:pPr>
+            <a:br>
+              <a:rPr lang="en-US" dirty="0"/>
+            </a:br>
+            <a:r>
+              <a:rPr lang="it-IT" dirty="0">
+                <a:ea typeface="Calibri"/>
+                <a:cs typeface="Calibri"/>
+              </a:rPr>
+              <a:t>NPM (licenza MIT)</a:t>
+            </a:r>
+            <a:br>
+              <a:rPr lang="it-IT" dirty="0">
+                <a:ea typeface="Calibri"/>
+                <a:cs typeface="Calibri"/>
+              </a:rPr>
+            </a:br>
+            <a:r>
+              <a:rPr lang="it-IT" dirty="0">
+                <a:ea typeface="+mn-lt"/>
+                <a:cs typeface="+mn-lt"/>
+                <a:hlinkClick r:id="rId7"/>
+              </a:rPr>
+              <a:t>https://www.npmjs.com/package/@volcanicminds/backend</a:t>
+            </a:r>
+            <a:br>
+              <a:rPr lang="it-IT" dirty="0">
+                <a:ea typeface="+mn-lt"/>
+                <a:cs typeface="+mn-lt"/>
+              </a:rPr>
+            </a:br>
+            <a:r>
+              <a:rPr lang="it-IT" dirty="0">
+                <a:ea typeface="+mn-lt"/>
+                <a:cs typeface="+mn-lt"/>
+                <a:hlinkClick r:id="rId8"/>
+              </a:rPr>
+              <a:t>https://www.npmjs.com/package/@volcanicminds/typeorm</a:t>
+            </a:r>
+            <a:endParaRPr lang="it-IT" dirty="0">
+              <a:ea typeface="Calibri"/>
+              <a:cs typeface="Calibri"/>
+            </a:endParaRPr>
+          </a:p>
+        </p:txBody>
+      </p:sp>
+      <p:sp>
+        <p:nvSpPr>
           <p:cNvPr id="2" name="Title 1">
             <a:extLst>
               <a:ext uri="{FF2B5EF4-FFF2-40B4-BE49-F238E27FC236}">
@@ -9857,8 +9960,8 @@
         </p:nvSpPr>
         <p:spPr>
           <a:xfrm>
-            <a:off x="838200" y="822325"/>
-            <a:ext cx="10515600" cy="4889378"/>
+            <a:off x="838200" y="196535"/>
+            <a:ext cx="10515600" cy="1325563"/>
           </a:xfrm>
         </p:spPr>
         <p:txBody>
@@ -9873,19 +9976,36 @@
                 <a:latin typeface="Congenial"/>
                 <a:cs typeface="Calibri Light"/>
               </a:rPr>
-              <a:t>Grazie della pazienza!</a:t>
-            </a:r>
-            <a:endParaRPr lang="it-IT">
-              <a:ea typeface="Calibri Light"/>
-              <a:cs typeface="Calibri Light"/>
-            </a:endParaRPr>
+              <a:t>Uno </a:t>
+            </a:r>
+            <a:r>
+              <a:rPr lang="it-IT" sz="4000" err="1">
+                <a:latin typeface="Congenial"/>
+                <a:cs typeface="Calibri Light"/>
+              </a:rPr>
+              <a:t>stack</a:t>
+            </a:r>
+            <a:r>
+              <a:rPr lang="it-IT" sz="4000">
+                <a:latin typeface="Congenial"/>
+                <a:cs typeface="Calibri Light"/>
+              </a:rPr>
+              <a:t> </a:t>
+            </a:r>
+            <a:r>
+              <a:rPr lang="it-IT" sz="4000" err="1">
+                <a:latin typeface="Congenial"/>
+                <a:cs typeface="Calibri Light"/>
+              </a:rPr>
+              <a:t>backend</a:t>
+            </a:r>
           </a:p>
         </p:txBody>
       </p:sp>
     </p:spTree>
     <p:extLst>
       <p:ext uri="{BB962C8B-B14F-4D97-AF65-F5344CB8AC3E}">
-        <p14:creationId xmlns:p14="http://schemas.microsoft.com/office/powerpoint/2010/main" val="2449655417"/>
+        <p14:creationId xmlns:p14="http://schemas.microsoft.com/office/powerpoint/2010/main" val="1205725327"/>
       </p:ext>
     </p:extLst>
   </p:cSld>
@@ -9914,10 +10034,10 @@
       </p:grpSpPr>
       <p:pic>
         <p:nvPicPr>
-          <p:cNvPr id="11" name="Graphic 10" descr="An organic corner shape">
-            <a:extLst>
-              <a:ext uri="{FF2B5EF4-FFF2-40B4-BE49-F238E27FC236}">
-                <a16:creationId xmlns:a16="http://schemas.microsoft.com/office/drawing/2014/main" id="{F47749B3-D8D4-D112-6A44-18E402DA1CBA}"/>
+          <p:cNvPr id="9" name="Graphic 8" descr="An organic corner shape">
+            <a:extLst>
+              <a:ext uri="{FF2B5EF4-FFF2-40B4-BE49-F238E27FC236}">
+                <a16:creationId xmlns:a16="http://schemas.microsoft.com/office/drawing/2014/main" id="{3D79C294-1DA3-E6C2-2212-FAA011A189A8}"/>
               </a:ext>
             </a:extLst>
           </p:cNvPr>
@@ -9948,182 +10068,12 @@
           </a:prstGeom>
         </p:spPr>
       </p:pic>
-      <p:sp>
-        <p:nvSpPr>
-          <p:cNvPr id="2" name="Title 1">
-            <a:extLst>
-              <a:ext uri="{FF2B5EF4-FFF2-40B4-BE49-F238E27FC236}">
-                <a16:creationId xmlns:a16="http://schemas.microsoft.com/office/drawing/2014/main" id="{29E9E1CA-5D4B-82DC-7776-C2C6BE59015C}"/>
-              </a:ext>
-            </a:extLst>
-          </p:cNvPr>
-          <p:cNvSpPr>
-            <a:spLocks noGrp="1"/>
-          </p:cNvSpPr>
-          <p:nvPr>
-            <p:ph type="title"/>
-          </p:nvPr>
-        </p:nvSpPr>
-        <p:spPr>
-          <a:xfrm>
-            <a:off x="838200" y="247463"/>
-            <a:ext cx="10515600" cy="1325563"/>
-          </a:xfrm>
-        </p:spPr>
-        <p:txBody>
-          <a:bodyPr vert="horz" lIns="91440" tIns="45720" rIns="91440" bIns="45720" rtlCol="0" anchor="ctr">
-            <a:normAutofit/>
-          </a:bodyPr>
-          <a:lstStyle/>
-          <a:p>
-            <a:pPr algn="ctr"/>
-            <a:r>
-              <a:rPr lang="it-IT" sz="4000">
-                <a:latin typeface="Congenial"/>
-                <a:cs typeface="Calibri Light"/>
-              </a:rPr>
-              <a:t>Risorse</a:t>
-            </a:r>
-          </a:p>
-        </p:txBody>
-      </p:sp>
-      <p:sp>
-        <p:nvSpPr>
-          <p:cNvPr id="3" name="Content Placeholder 2">
-            <a:extLst>
-              <a:ext uri="{FF2B5EF4-FFF2-40B4-BE49-F238E27FC236}">
-                <a16:creationId xmlns:a16="http://schemas.microsoft.com/office/drawing/2014/main" id="{ED6EE39B-2506-CB0B-3C16-933A06D470EB}"/>
-              </a:ext>
-            </a:extLst>
-          </p:cNvPr>
-          <p:cNvSpPr>
-            <a:spLocks noGrp="1"/>
-          </p:cNvSpPr>
-          <p:nvPr>
-            <p:ph idx="1"/>
-          </p:nvPr>
-        </p:nvSpPr>
-        <p:spPr/>
-        <p:txBody>
-          <a:bodyPr vert="horz" lIns="91440" tIns="45720" rIns="91440" bIns="45720" rtlCol="0" anchor="t">
-            <a:normAutofit/>
-          </a:bodyPr>
-          <a:lstStyle/>
-          <a:p>
-            <a:r>
-              <a:rPr lang="en-US">
-                <a:ea typeface="+mn-lt"/>
-                <a:cs typeface="+mn-lt"/>
-                <a:hlinkClick r:id="rId4"/>
-              </a:rPr>
-              <a:t>https://typeorm.io</a:t>
-            </a:r>
-            <a:endParaRPr lang="en-US">
-              <a:ea typeface="+mn-lt"/>
-              <a:cs typeface="+mn-lt"/>
-            </a:endParaRPr>
-          </a:p>
-          <a:p>
-            <a:r>
-              <a:rPr lang="en-US">
-                <a:solidFill>
-                  <a:srgbClr val="0563C1"/>
-                </a:solidFill>
-                <a:latin typeface="Arial"/>
-                <a:ea typeface="+mn-lt"/>
-                <a:cs typeface="Arial"/>
-                <a:hlinkClick r:id="rId5"/>
-              </a:rPr>
-              <a:t>https://www.postgresql.org</a:t>
-            </a:r>
-            <a:endParaRPr lang="en-US">
-              <a:ea typeface="+mn-lt"/>
-              <a:cs typeface="+mn-lt"/>
-            </a:endParaRPr>
-          </a:p>
-          <a:p>
-            <a:r>
-              <a:rPr lang="en-US">
-                <a:ea typeface="+mn-lt"/>
-                <a:cs typeface="+mn-lt"/>
-                <a:hlinkClick r:id="rId6"/>
-              </a:rPr>
-              <a:t>https://www.postgresql.org/about/featurematrix</a:t>
-            </a:r>
-          </a:p>
-          <a:p>
-            <a:r>
-              <a:rPr lang="en-US">
-                <a:ea typeface="+mn-lt"/>
-                <a:cs typeface="+mn-lt"/>
-                <a:hlinkClick r:id="rId7"/>
-              </a:rPr>
-              <a:t>https://fastify.dev</a:t>
-            </a:r>
-          </a:p>
-          <a:p>
-            <a:r>
-              <a:rPr lang="en-US">
-                <a:ea typeface="+mn-lt"/>
-                <a:cs typeface="+mn-lt"/>
-                <a:hlinkClick r:id="rId8"/>
-              </a:rPr>
-              <a:t>https://it.wikipedia.org/wiki/PostgreSQL</a:t>
-            </a:r>
-            <a:endParaRPr lang="en-US">
-              <a:ea typeface="+mn-lt"/>
-              <a:cs typeface="+mn-lt"/>
-            </a:endParaRPr>
-          </a:p>
-          <a:p>
-            <a:r>
-              <a:rPr lang="en-US">
-                <a:ea typeface="+mn-lt"/>
-                <a:cs typeface="+mn-lt"/>
-                <a:hlinkClick r:id="rId9"/>
-              </a:rPr>
-              <a:t>https://github.com/volcanicminds/volcanic-database-typeorm</a:t>
-            </a:r>
-            <a:endParaRPr lang="en-US">
-              <a:ea typeface="+mn-lt"/>
-              <a:cs typeface="+mn-lt"/>
-            </a:endParaRPr>
-          </a:p>
-          <a:p>
-            <a:r>
-              <a:rPr lang="en-US">
-                <a:ea typeface="+mn-lt"/>
-                <a:cs typeface="+mn-lt"/>
-                <a:hlinkClick r:id="rId10"/>
-              </a:rPr>
-              <a:t>https://github.com/volcanicminds/volcanic-backend</a:t>
-            </a:r>
-            <a:endParaRPr lang="en-US"/>
-          </a:p>
-          <a:p>
-            <a:endParaRPr lang="en-US">
-              <a:ea typeface="Calibri"/>
-              <a:cs typeface="Calibri"/>
-            </a:endParaRPr>
-          </a:p>
-          <a:p>
-            <a:endParaRPr lang="en-US">
-              <a:cs typeface="Calibri"/>
-            </a:endParaRPr>
-          </a:p>
-          <a:p>
-            <a:endParaRPr lang="en-US">
-              <a:cs typeface="Calibri"/>
-            </a:endParaRPr>
-          </a:p>
-        </p:txBody>
-      </p:sp>
       <p:pic>
         <p:nvPicPr>
           <p:cNvPr id="5" name="Graphic 4">
             <a:extLst>
               <a:ext uri="{FF2B5EF4-FFF2-40B4-BE49-F238E27FC236}">
-                <a16:creationId xmlns:a16="http://schemas.microsoft.com/office/drawing/2014/main" id="{481C004D-0A1B-C6D2-6922-9E2C8070978E}"/>
+                <a16:creationId xmlns:a16="http://schemas.microsoft.com/office/drawing/2014/main" id="{58F64612-1A35-E919-BEAF-4B8144352B19}"/>
               </a:ext>
             </a:extLst>
           </p:cNvPr>
@@ -10133,10 +10083,10 @@
           <p:nvPr/>
         </p:nvPicPr>
         <p:blipFill>
-          <a:blip r:embed="rId11">
+          <a:blip r:embed="rId4">
             <a:extLst>
               <a:ext uri="{96DAC541-7B7A-43D3-8B79-37D633B846F1}">
-                <asvg:svgBlip xmlns:asvg="http://schemas.microsoft.com/office/drawing/2016/SVG/main" r:embed="rId12"/>
+                <asvg:svgBlip xmlns:asvg="http://schemas.microsoft.com/office/drawing/2016/SVG/main" r:embed="rId5"/>
               </a:ext>
             </a:extLst>
           </a:blip>
@@ -10159,7 +10109,7 @@
           <p:cNvPr id="6" name="Title 1">
             <a:extLst>
               <a:ext uri="{FF2B5EF4-FFF2-40B4-BE49-F238E27FC236}">
-                <a16:creationId xmlns:a16="http://schemas.microsoft.com/office/drawing/2014/main" id="{5B376ED4-70E5-7A76-B3EB-39C07CAF69A2}"/>
+                <a16:creationId xmlns:a16="http://schemas.microsoft.com/office/drawing/2014/main" id="{68120C5C-1E5E-25CC-D53C-0BE8C300798A}"/>
               </a:ext>
             </a:extLst>
           </p:cNvPr>
@@ -10212,10 +10162,53 @@
           </a:p>
         </p:txBody>
       </p:sp>
+      <p:sp>
+        <p:nvSpPr>
+          <p:cNvPr id="2" name="Title 1">
+            <a:extLst>
+              <a:ext uri="{FF2B5EF4-FFF2-40B4-BE49-F238E27FC236}">
+                <a16:creationId xmlns:a16="http://schemas.microsoft.com/office/drawing/2014/main" id="{878DAFF1-97B1-DE80-3ABB-4981E17220C1}"/>
+              </a:ext>
+            </a:extLst>
+          </p:cNvPr>
+          <p:cNvSpPr>
+            <a:spLocks noGrp="1"/>
+          </p:cNvSpPr>
+          <p:nvPr>
+            <p:ph type="title"/>
+          </p:nvPr>
+        </p:nvSpPr>
+        <p:spPr>
+          <a:xfrm>
+            <a:off x="838200" y="822325"/>
+            <a:ext cx="10515600" cy="4889378"/>
+          </a:xfrm>
+        </p:spPr>
+        <p:txBody>
+          <a:bodyPr vert="horz" lIns="91440" tIns="45720" rIns="91440" bIns="45720" rtlCol="0" anchor="ctr">
+            <a:normAutofit/>
+          </a:bodyPr>
+          <a:lstStyle/>
+          <a:p>
+            <a:pPr algn="ctr"/>
+            <a:r>
+              <a:rPr lang="it-IT" sz="4000">
+                <a:latin typeface="Congenial"/>
+                <a:cs typeface="Calibri Light"/>
+              </a:rPr>
+              <a:t>Grazie della pazienza!</a:t>
+            </a:r>
+            <a:endParaRPr lang="it-IT">
+              <a:ea typeface="Calibri Light"/>
+              <a:cs typeface="Calibri Light"/>
+            </a:endParaRPr>
+          </a:p>
+        </p:txBody>
+      </p:sp>
     </p:spTree>
     <p:extLst>
       <p:ext uri="{BB962C8B-B14F-4D97-AF65-F5344CB8AC3E}">
-        <p14:creationId xmlns:p14="http://schemas.microsoft.com/office/powerpoint/2010/main" val="2948395508"/>
+        <p14:creationId xmlns:p14="http://schemas.microsoft.com/office/powerpoint/2010/main" val="2449655417"/>
       </p:ext>
     </p:extLst>
   </p:cSld>
@@ -10798,6 +10791,336 @@
           </a:prstGeom>
         </p:spPr>
       </p:pic>
+      <p:sp>
+        <p:nvSpPr>
+          <p:cNvPr id="2" name="Title 1">
+            <a:extLst>
+              <a:ext uri="{FF2B5EF4-FFF2-40B4-BE49-F238E27FC236}">
+                <a16:creationId xmlns:a16="http://schemas.microsoft.com/office/drawing/2014/main" id="{29E9E1CA-5D4B-82DC-7776-C2C6BE59015C}"/>
+              </a:ext>
+            </a:extLst>
+          </p:cNvPr>
+          <p:cNvSpPr>
+            <a:spLocks noGrp="1"/>
+          </p:cNvSpPr>
+          <p:nvPr>
+            <p:ph type="title"/>
+          </p:nvPr>
+        </p:nvSpPr>
+        <p:spPr>
+          <a:xfrm>
+            <a:off x="838200" y="247463"/>
+            <a:ext cx="10515600" cy="1325563"/>
+          </a:xfrm>
+        </p:spPr>
+        <p:txBody>
+          <a:bodyPr vert="horz" lIns="91440" tIns="45720" rIns="91440" bIns="45720" rtlCol="0" anchor="ctr">
+            <a:normAutofit/>
+          </a:bodyPr>
+          <a:lstStyle/>
+          <a:p>
+            <a:pPr algn="ctr"/>
+            <a:r>
+              <a:rPr lang="it-IT" sz="4000">
+                <a:latin typeface="Congenial"/>
+                <a:cs typeface="Calibri Light"/>
+              </a:rPr>
+              <a:t>Risorse</a:t>
+            </a:r>
+          </a:p>
+        </p:txBody>
+      </p:sp>
+      <p:sp>
+        <p:nvSpPr>
+          <p:cNvPr id="3" name="Content Placeholder 2">
+            <a:extLst>
+              <a:ext uri="{FF2B5EF4-FFF2-40B4-BE49-F238E27FC236}">
+                <a16:creationId xmlns:a16="http://schemas.microsoft.com/office/drawing/2014/main" id="{ED6EE39B-2506-CB0B-3C16-933A06D470EB}"/>
+              </a:ext>
+            </a:extLst>
+          </p:cNvPr>
+          <p:cNvSpPr>
+            <a:spLocks noGrp="1"/>
+          </p:cNvSpPr>
+          <p:nvPr>
+            <p:ph idx="1"/>
+          </p:nvPr>
+        </p:nvSpPr>
+        <p:spPr/>
+        <p:txBody>
+          <a:bodyPr vert="horz" lIns="91440" tIns="45720" rIns="91440" bIns="45720" rtlCol="0" anchor="t">
+            <a:normAutofit/>
+          </a:bodyPr>
+          <a:lstStyle/>
+          <a:p>
+            <a:r>
+              <a:rPr lang="en-US">
+                <a:ea typeface="+mn-lt"/>
+                <a:cs typeface="+mn-lt"/>
+                <a:hlinkClick r:id="rId4"/>
+              </a:rPr>
+              <a:t>https://typeorm.io</a:t>
+            </a:r>
+            <a:endParaRPr lang="en-US">
+              <a:ea typeface="+mn-lt"/>
+              <a:cs typeface="+mn-lt"/>
+            </a:endParaRPr>
+          </a:p>
+          <a:p>
+            <a:r>
+              <a:rPr lang="en-US">
+                <a:solidFill>
+                  <a:srgbClr val="0563C1"/>
+                </a:solidFill>
+                <a:latin typeface="Arial"/>
+                <a:ea typeface="+mn-lt"/>
+                <a:cs typeface="Arial"/>
+                <a:hlinkClick r:id="rId5"/>
+              </a:rPr>
+              <a:t>https://www.postgresql.org</a:t>
+            </a:r>
+            <a:endParaRPr lang="en-US">
+              <a:ea typeface="+mn-lt"/>
+              <a:cs typeface="+mn-lt"/>
+            </a:endParaRPr>
+          </a:p>
+          <a:p>
+            <a:r>
+              <a:rPr lang="en-US">
+                <a:ea typeface="+mn-lt"/>
+                <a:cs typeface="+mn-lt"/>
+                <a:hlinkClick r:id="rId6"/>
+              </a:rPr>
+              <a:t>https://www.postgresql.org/about/featurematrix</a:t>
+            </a:r>
+          </a:p>
+          <a:p>
+            <a:r>
+              <a:rPr lang="en-US">
+                <a:ea typeface="+mn-lt"/>
+                <a:cs typeface="+mn-lt"/>
+                <a:hlinkClick r:id="rId7"/>
+              </a:rPr>
+              <a:t>https://fastify.dev</a:t>
+            </a:r>
+          </a:p>
+          <a:p>
+            <a:r>
+              <a:rPr lang="en-US">
+                <a:ea typeface="+mn-lt"/>
+                <a:cs typeface="+mn-lt"/>
+                <a:hlinkClick r:id="rId8"/>
+              </a:rPr>
+              <a:t>https://it.wikipedia.org/wiki/PostgreSQL</a:t>
+            </a:r>
+            <a:endParaRPr lang="en-US">
+              <a:ea typeface="+mn-lt"/>
+              <a:cs typeface="+mn-lt"/>
+            </a:endParaRPr>
+          </a:p>
+          <a:p>
+            <a:r>
+              <a:rPr lang="en-US">
+                <a:ea typeface="+mn-lt"/>
+                <a:cs typeface="+mn-lt"/>
+                <a:hlinkClick r:id="rId9"/>
+              </a:rPr>
+              <a:t>https://github.com/volcanicminds/volcanic-database-typeorm</a:t>
+            </a:r>
+            <a:endParaRPr lang="en-US">
+              <a:ea typeface="+mn-lt"/>
+              <a:cs typeface="+mn-lt"/>
+            </a:endParaRPr>
+          </a:p>
+          <a:p>
+            <a:r>
+              <a:rPr lang="en-US">
+                <a:ea typeface="+mn-lt"/>
+                <a:cs typeface="+mn-lt"/>
+                <a:hlinkClick r:id="rId10"/>
+              </a:rPr>
+              <a:t>https://github.com/volcanicminds/volcanic-backend</a:t>
+            </a:r>
+            <a:endParaRPr lang="en-US"/>
+          </a:p>
+          <a:p>
+            <a:endParaRPr lang="en-US">
+              <a:ea typeface="Calibri"/>
+              <a:cs typeface="Calibri"/>
+            </a:endParaRPr>
+          </a:p>
+          <a:p>
+            <a:endParaRPr lang="en-US">
+              <a:cs typeface="Calibri"/>
+            </a:endParaRPr>
+          </a:p>
+          <a:p>
+            <a:endParaRPr lang="en-US">
+              <a:cs typeface="Calibri"/>
+            </a:endParaRPr>
+          </a:p>
+        </p:txBody>
+      </p:sp>
+      <p:pic>
+        <p:nvPicPr>
+          <p:cNvPr id="5" name="Graphic 4">
+            <a:extLst>
+              <a:ext uri="{FF2B5EF4-FFF2-40B4-BE49-F238E27FC236}">
+                <a16:creationId xmlns:a16="http://schemas.microsoft.com/office/drawing/2014/main" id="{481C004D-0A1B-C6D2-6922-9E2C8070978E}"/>
+              </a:ext>
+            </a:extLst>
+          </p:cNvPr>
+          <p:cNvPicPr>
+            <a:picLocks noChangeAspect="1"/>
+          </p:cNvPicPr>
+          <p:nvPr/>
+        </p:nvPicPr>
+        <p:blipFill>
+          <a:blip r:embed="rId11">
+            <a:extLst>
+              <a:ext uri="{96DAC541-7B7A-43D3-8B79-37D633B846F1}">
+                <asvg:svgBlip xmlns:asvg="http://schemas.microsoft.com/office/drawing/2016/SVG/main" r:embed="rId12"/>
+              </a:ext>
+            </a:extLst>
+          </a:blip>
+          <a:stretch>
+            <a:fillRect/>
+          </a:stretch>
+        </p:blipFill>
+        <p:spPr>
+          <a:xfrm>
+            <a:off x="10069722" y="5946115"/>
+            <a:ext cx="1843537" cy="716712"/>
+          </a:xfrm>
+          <a:prstGeom prst="rect">
+            <a:avLst/>
+          </a:prstGeom>
+        </p:spPr>
+      </p:pic>
+      <p:sp>
+        <p:nvSpPr>
+          <p:cNvPr id="6" name="Title 1">
+            <a:extLst>
+              <a:ext uri="{FF2B5EF4-FFF2-40B4-BE49-F238E27FC236}">
+                <a16:creationId xmlns:a16="http://schemas.microsoft.com/office/drawing/2014/main" id="{5B376ED4-70E5-7A76-B3EB-39C07CAF69A2}"/>
+              </a:ext>
+            </a:extLst>
+          </p:cNvPr>
+          <p:cNvSpPr txBox="1">
+            <a:spLocks/>
+          </p:cNvSpPr>
+          <p:nvPr/>
+        </p:nvSpPr>
+        <p:spPr>
+          <a:xfrm>
+            <a:off x="281796" y="5861139"/>
+            <a:ext cx="9143998" cy="883860"/>
+          </a:xfrm>
+          <a:prstGeom prst="rect">
+            <a:avLst/>
+          </a:prstGeom>
+        </p:spPr>
+        <p:txBody>
+          <a:bodyPr vert="horz" lIns="91440" tIns="45720" rIns="91440" bIns="45720" rtlCol="0" anchor="b">
+            <a:normAutofit/>
+          </a:bodyPr>
+          <a:lstStyle>
+            <a:lvl1pPr algn="ctr" defTabSz="914400" rtl="0" eaLnBrk="1" latinLnBrk="0" hangingPunct="1">
+              <a:lnSpc>
+                <a:spcPct val="90000"/>
+              </a:lnSpc>
+              <a:spcBef>
+                <a:spcPct val="0"/>
+              </a:spcBef>
+              <a:buNone/>
+              <a:defRPr sz="6000" kern="1200">
+                <a:solidFill>
+                  <a:schemeClr val="tx1"/>
+                </a:solidFill>
+                <a:latin typeface="+mj-lt"/>
+                <a:ea typeface="+mj-ea"/>
+                <a:cs typeface="+mj-cs"/>
+              </a:defRPr>
+            </a:lvl1pPr>
+          </a:lstStyle>
+          <a:p>
+            <a:pPr algn="l"/>
+            <a:r>
+              <a:rPr lang="en-US" sz="2400" b="1">
+                <a:latin typeface="Congenial"/>
+                <a:cs typeface="Calibri Light"/>
+              </a:rPr>
+              <a:t>LINUX DAY • TORINO 2023</a:t>
+            </a:r>
+          </a:p>
+        </p:txBody>
+      </p:sp>
+    </p:spTree>
+    <p:extLst>
+      <p:ext uri="{BB962C8B-B14F-4D97-AF65-F5344CB8AC3E}">
+        <p14:creationId xmlns:p14="http://schemas.microsoft.com/office/powerpoint/2010/main" val="2948395508"/>
+      </p:ext>
+    </p:extLst>
+  </p:cSld>
+  <p:clrMapOvr>
+    <a:masterClrMapping/>
+  </p:clrMapOvr>
+</p:sld>
+</file>
+
+<file path=ppt/slides/slide31.xml><?xml version="1.0" encoding="utf-8"?>
+<p:sld xmlns:a="http://schemas.openxmlformats.org/drawingml/2006/main" xmlns:r="http://schemas.openxmlformats.org/officeDocument/2006/relationships" xmlns:p="http://schemas.openxmlformats.org/presentationml/2006/main">
+  <p:cSld>
+    <p:spTree>
+      <p:nvGrpSpPr>
+        <p:cNvPr id="1" name=""/>
+        <p:cNvGrpSpPr/>
+        <p:nvPr/>
+      </p:nvGrpSpPr>
+      <p:grpSpPr>
+        <a:xfrm>
+          <a:off x="0" y="0"/>
+          <a:ext cx="0" cy="0"/>
+          <a:chOff x="0" y="0"/>
+          <a:chExt cx="0" cy="0"/>
+        </a:xfrm>
+      </p:grpSpPr>
+      <p:pic>
+        <p:nvPicPr>
+          <p:cNvPr id="11" name="Graphic 10" descr="An organic corner shape">
+            <a:extLst>
+              <a:ext uri="{FF2B5EF4-FFF2-40B4-BE49-F238E27FC236}">
+                <a16:creationId xmlns:a16="http://schemas.microsoft.com/office/drawing/2014/main" id="{F47749B3-D8D4-D112-6A44-18E402DA1CBA}"/>
+              </a:ext>
+            </a:extLst>
+          </p:cNvPr>
+          <p:cNvPicPr>
+            <a:picLocks noChangeAspect="1"/>
+          </p:cNvPicPr>
+          <p:nvPr/>
+        </p:nvPicPr>
+        <p:blipFill>
+          <a:blip r:embed="rId2">
+            <a:extLst>
+              <a:ext uri="{96DAC541-7B7A-43D3-8B79-37D633B846F1}">
+                <asvg:svgBlip xmlns:asvg="http://schemas.microsoft.com/office/drawing/2016/SVG/main" r:embed="rId3"/>
+              </a:ext>
+            </a:extLst>
+          </a:blip>
+          <a:stretch>
+            <a:fillRect/>
+          </a:stretch>
+        </p:blipFill>
+        <p:spPr>
+          <a:xfrm rot="10800000">
+            <a:off x="2" y="-7188"/>
+            <a:ext cx="5520905" cy="3853132"/>
+          </a:xfrm>
+          <a:prstGeom prst="rect">
+            <a:avLst/>
+          </a:prstGeom>
+        </p:spPr>
+      </p:pic>
       <p:pic>
         <p:nvPicPr>
           <p:cNvPr id="5" name="Graphic 4">
@@ -12434,7 +12757,7 @@
               <a:buNone/>
             </a:pPr>
             <a:r>
-              <a:rPr lang="it-IT">
+              <a:rPr lang="it-IT" dirty="0">
                 <a:solidFill>
                   <a:srgbClr val="000000"/>
                 </a:solidFill>
@@ -12444,7 +12767,7 @@
               </a:rPr>
               <a:t>Introdotti negli anni settanta, rimangono una scelta affidabile per numerose applicazioni.</a:t>
             </a:r>
-            <a:endParaRPr lang="it-IT">
+            <a:endParaRPr lang="it-IT" dirty="0">
               <a:cs typeface="Calibri" panose="020F0502020204030204"/>
             </a:endParaRPr>
           </a:p>
@@ -12456,7 +12779,7 @@
               <a:buNone/>
             </a:pPr>
             <a:r>
-              <a:rPr lang="it-IT">
+              <a:rPr lang="it-IT" dirty="0">
                 <a:solidFill>
                   <a:srgbClr val="000000"/>
                 </a:solidFill>
@@ -12464,7 +12787,7 @@
                 <a:ea typeface="+mn-lt"/>
                 <a:cs typeface="+mn-lt"/>
               </a:rPr>
-              <a:t>Alcuni punti di forza includono: i dati strutturati, la capacità di definire delle chiavi primarie, esterne, naturali, surrogate per creare solide relazioni fra le tabelle.</a:t>
+              <a:t>Alcuni punti di forza includono: i dati strutturati, la capacità di definire delle chiavi primarie, esterne, naturali e surrogate per creare solide relazioni fra le tabelle.</a:t>
             </a:r>
           </a:p>
           <a:p>
@@ -12475,7 +12798,7 @@
               <a:buNone/>
             </a:pPr>
             <a:r>
-              <a:rPr lang="it-IT">
+              <a:rPr lang="it-IT" dirty="0">
                 <a:solidFill>
                   <a:srgbClr val="000000"/>
                 </a:solidFill>
@@ -12485,7 +12808,7 @@
               </a:rPr>
               <a:t>Offrono la possibilità di sfruttare un linguaggio (SQL) per eseguire operazioni di manipolazione e ricerca, anche avanzata, delle informazioni contenute. </a:t>
             </a:r>
-            <a:endParaRPr lang="it-IT">
+            <a:endParaRPr lang="it-IT" dirty="0">
               <a:cs typeface="Calibri"/>
             </a:endParaRPr>
           </a:p>
@@ -12497,35 +12820,39 @@
               <a:buNone/>
             </a:pPr>
             <a:r>
-              <a:rPr lang="it-IT">
+              <a:rPr lang="it-IT" dirty="0">
                 <a:cs typeface="Calibri"/>
               </a:rPr>
               <a:t>Esempi di RDB sono </a:t>
             </a:r>
             <a:r>
-              <a:rPr lang="it-IT" err="1">
+              <a:rPr lang="it-IT" dirty="0" err="1">
                 <a:cs typeface="Calibri"/>
               </a:rPr>
               <a:t>PostgreSQL</a:t>
             </a:r>
             <a:r>
-              <a:rPr lang="it-IT">
+              <a:rPr lang="it-IT" dirty="0">
                 <a:cs typeface="Calibri"/>
               </a:rPr>
               <a:t>, </a:t>
             </a:r>
             <a:r>
-              <a:rPr lang="it-IT" err="1">
+              <a:rPr lang="it-IT" dirty="0" err="1">
                 <a:cs typeface="Calibri"/>
               </a:rPr>
               <a:t>MariaDB</a:t>
             </a:r>
             <a:r>
-              <a:rPr lang="it-IT">
+              <a:rPr lang="it-IT" dirty="0">
                 <a:cs typeface="Calibri"/>
               </a:rPr>
               <a:t>, MySQL, ..</a:t>
             </a:r>
+            <a:endParaRPr lang="it-IT" dirty="0">
+              <a:ea typeface="Calibri"/>
+              <a:cs typeface="Calibri"/>
+            </a:endParaRPr>
           </a:p>
         </p:txBody>
       </p:sp>
@@ -13613,72 +13940,72 @@
           </a:lstStyle>
           <a:p>
             <a:r>
-              <a:rPr lang="it-IT">
+              <a:rPr lang="it-IT" dirty="0">
                 <a:cs typeface="Calibri"/>
               </a:rPr>
               <a:t>Strutture più fluide adatte agli scopi</a:t>
             </a:r>
-            <a:endParaRPr lang="it-IT">
+            <a:endParaRPr lang="it-IT" dirty="0">
               <a:ea typeface="Calibri"/>
               <a:cs typeface="Calibri"/>
             </a:endParaRPr>
           </a:p>
           <a:p>
             <a:r>
-              <a:rPr lang="it-IT">
+              <a:rPr lang="it-IT" dirty="0">
                 <a:cs typeface="Calibri"/>
               </a:rPr>
-              <a:t>Non hanno le relazioni ma offrono alternative interessante</a:t>
-            </a:r>
-            <a:endParaRPr lang="it-IT">
+              <a:t>Non hanno le relazioni ma offrono alternative interessanti</a:t>
+            </a:r>
+            <a:endParaRPr lang="it-IT" dirty="0">
               <a:ea typeface="Calibri"/>
               <a:cs typeface="Calibri"/>
             </a:endParaRPr>
           </a:p>
           <a:p>
             <a:r>
-              <a:rPr lang="it-IT">
+              <a:rPr lang="it-IT" dirty="0">
                 <a:cs typeface="Calibri"/>
               </a:rPr>
               <a:t>Ci son diversi modelli quali chiave-valore, documenti, grafo</a:t>
             </a:r>
-            <a:endParaRPr lang="it-IT">
+            <a:endParaRPr lang="it-IT" dirty="0">
               <a:ea typeface="Calibri"/>
               <a:cs typeface="Calibri"/>
             </a:endParaRPr>
           </a:p>
           <a:p>
             <a:r>
-              <a:rPr lang="it-IT">
+              <a:rPr lang="it-IT" dirty="0">
                 <a:cs typeface="Calibri"/>
               </a:rPr>
               <a:t>Non sempre si han tutte le proprietà ACID (ma non è detto, es Mongo è ACID-</a:t>
             </a:r>
             <a:r>
-              <a:rPr lang="en-GB">
+              <a:rPr lang="en-GB" dirty="0">
                 <a:cs typeface="Calibri"/>
               </a:rPr>
               <a:t>compliant</a:t>
             </a:r>
             <a:r>
-              <a:rPr lang="it-IT">
+              <a:rPr lang="it-IT" dirty="0">
                 <a:cs typeface="Calibri"/>
               </a:rPr>
               <a:t>)</a:t>
             </a:r>
-            <a:endParaRPr lang="it-IT">
+            <a:endParaRPr lang="it-IT" dirty="0">
               <a:ea typeface="Calibri"/>
               <a:cs typeface="Calibri"/>
             </a:endParaRPr>
           </a:p>
           <a:p>
             <a:r>
-              <a:rPr lang="it-IT">
+              <a:rPr lang="it-IT" dirty="0">
                 <a:cs typeface="Calibri"/>
               </a:rPr>
               <a:t>Sono partizionabili e offrono una scalabilità orizzontale</a:t>
             </a:r>
-            <a:endParaRPr lang="it-IT">
+            <a:endParaRPr lang="it-IT" dirty="0">
               <a:ea typeface="Calibri"/>
               <a:cs typeface="Calibri"/>
             </a:endParaRPr>
